--- a/2021년 10월 9일 용접자동화로봇.pptx
+++ b/2021년 10월 9일 용접자동화로봇.pptx
@@ -146,7 +146,7 @@
   </p:defaultTextStyle>
   <p:extLst>
     <p:ext uri="{EFAFB233-063F-42B5-8137-9DF3F51BA10A}">
-      <p15:sldGuideLst xmlns="" xmlns:p15="http://schemas.microsoft.com/office/powerpoint/2012/main">
+      <p15:sldGuideLst xmlns:p15="http://schemas.microsoft.com/office/powerpoint/2012/main" xmlns="">
         <p15:guide id="1" orient="horz" pos="2166">
           <p15:clr>
             <a:srgbClr val="A4A3A4"/>
@@ -230,7 +230,7 @@
       </p15:sldGuideLst>
     </p:ext>
     <p:ext uri="{2D200454-40CA-4A62-9FC3-DE9A4176ACB9}">
-      <p15:notesGuideLst xmlns="" xmlns:p15="http://schemas.microsoft.com/office/powerpoint/2012/main">
+      <p15:notesGuideLst xmlns:p15="http://schemas.microsoft.com/office/powerpoint/2012/main" xmlns="">
         <p15:guide id="1" orient="horz" pos="3131">
           <p15:clr>
             <a:srgbClr val="A4A3A4"/>
@@ -424,7 +424,7 @@
     </p:spTree>
     <p:extLst>
       <p:ext uri="{BB962C8B-B14F-4D97-AF65-F5344CB8AC3E}">
-        <p14:creationId xmlns="" xmlns:p14="http://schemas.microsoft.com/office/powerpoint/2010/main" val="2891599686"/>
+        <p14:creationId xmlns:p14="http://schemas.microsoft.com/office/powerpoint/2010/main" xmlns="" val="2891599686"/>
       </p:ext>
     </p:extLst>
   </p:cSld>
@@ -698,7 +698,7 @@
     </p:spTree>
     <p:extLst>
       <p:ext uri="{BB962C8B-B14F-4D97-AF65-F5344CB8AC3E}">
-        <p14:creationId xmlns="" xmlns:p14="http://schemas.microsoft.com/office/powerpoint/2010/main" val="1587304990"/>
+        <p14:creationId xmlns:p14="http://schemas.microsoft.com/office/powerpoint/2010/main" xmlns="" val="1587304990"/>
       </p:ext>
     </p:extLst>
   </p:cSld>
@@ -908,7 +908,7 @@
     </p:spTree>
     <p:extLst>
       <p:ext uri="{BB962C8B-B14F-4D97-AF65-F5344CB8AC3E}">
-        <p14:creationId xmlns="" xmlns:p14="http://schemas.microsoft.com/office/powerpoint/2010/main" val="3458060142"/>
+        <p14:creationId xmlns:p14="http://schemas.microsoft.com/office/powerpoint/2010/main" xmlns="" val="3458060142"/>
       </p:ext>
     </p:extLst>
   </p:cSld>
@@ -969,7 +969,7 @@
     </p:spTree>
     <p:extLst>
       <p:ext uri="{BB962C8B-B14F-4D97-AF65-F5344CB8AC3E}">
-        <p14:creationId xmlns="" xmlns:p14="http://schemas.microsoft.com/office/powerpoint/2010/main" val="1032373642"/>
+        <p14:creationId xmlns:p14="http://schemas.microsoft.com/office/powerpoint/2010/main" xmlns="" val="1032373642"/>
       </p:ext>
     </p:extLst>
   </p:cSld>
@@ -1030,7 +1030,7 @@
     </p:spTree>
     <p:extLst>
       <p:ext uri="{BB962C8B-B14F-4D97-AF65-F5344CB8AC3E}">
-        <p14:creationId xmlns="" xmlns:p14="http://schemas.microsoft.com/office/powerpoint/2010/main" val="1286620063"/>
+        <p14:creationId xmlns:p14="http://schemas.microsoft.com/office/powerpoint/2010/main" xmlns="" val="1286620063"/>
       </p:ext>
     </p:extLst>
   </p:cSld>
@@ -1091,7 +1091,7 @@
     </p:spTree>
     <p:extLst>
       <p:ext uri="{BB962C8B-B14F-4D97-AF65-F5344CB8AC3E}">
-        <p14:creationId xmlns="" xmlns:p14="http://schemas.microsoft.com/office/powerpoint/2010/main" val="548934651"/>
+        <p14:creationId xmlns:p14="http://schemas.microsoft.com/office/powerpoint/2010/main" xmlns="" val="548934651"/>
       </p:ext>
     </p:extLst>
   </p:cSld>
@@ -1152,7 +1152,7 @@
     </p:spTree>
     <p:extLst>
       <p:ext uri="{BB962C8B-B14F-4D97-AF65-F5344CB8AC3E}">
-        <p14:creationId xmlns="" xmlns:p14="http://schemas.microsoft.com/office/powerpoint/2010/main" val="1323891730"/>
+        <p14:creationId xmlns:p14="http://schemas.microsoft.com/office/powerpoint/2010/main" xmlns="" val="1323891730"/>
       </p:ext>
     </p:extLst>
   </p:cSld>
@@ -1213,7 +1213,7 @@
     </p:spTree>
     <p:extLst>
       <p:ext uri="{BB962C8B-B14F-4D97-AF65-F5344CB8AC3E}">
-        <p14:creationId xmlns="" xmlns:p14="http://schemas.microsoft.com/office/powerpoint/2010/main" val="3150174202"/>
+        <p14:creationId xmlns:p14="http://schemas.microsoft.com/office/powerpoint/2010/main" xmlns="" val="3150174202"/>
       </p:ext>
     </p:extLst>
   </p:cSld>
@@ -1274,7 +1274,7 @@
     </p:spTree>
     <p:extLst>
       <p:ext uri="{BB962C8B-B14F-4D97-AF65-F5344CB8AC3E}">
-        <p14:creationId xmlns="" xmlns:p14="http://schemas.microsoft.com/office/powerpoint/2010/main" val="4226950549"/>
+        <p14:creationId xmlns:p14="http://schemas.microsoft.com/office/powerpoint/2010/main" xmlns="" val="4226950549"/>
       </p:ext>
     </p:extLst>
   </p:cSld>
@@ -1335,7 +1335,7 @@
     </p:spTree>
     <p:extLst>
       <p:ext uri="{BB962C8B-B14F-4D97-AF65-F5344CB8AC3E}">
-        <p14:creationId xmlns="" xmlns:p14="http://schemas.microsoft.com/office/powerpoint/2010/main" val="3672645526"/>
+        <p14:creationId xmlns:p14="http://schemas.microsoft.com/office/powerpoint/2010/main" xmlns="" val="3672645526"/>
       </p:ext>
     </p:extLst>
   </p:cSld>
@@ -1396,7 +1396,7 @@
     </p:spTree>
     <p:extLst>
       <p:ext uri="{BB962C8B-B14F-4D97-AF65-F5344CB8AC3E}">
-        <p14:creationId xmlns="" xmlns:p14="http://schemas.microsoft.com/office/powerpoint/2010/main" val="560617598"/>
+        <p14:creationId xmlns:p14="http://schemas.microsoft.com/office/powerpoint/2010/main" xmlns="" val="560617598"/>
       </p:ext>
     </p:extLst>
   </p:cSld>
@@ -1457,7 +1457,7 @@
     </p:spTree>
     <p:extLst>
       <p:ext uri="{BB962C8B-B14F-4D97-AF65-F5344CB8AC3E}">
-        <p14:creationId xmlns="" xmlns:p14="http://schemas.microsoft.com/office/powerpoint/2010/main" val="4003268119"/>
+        <p14:creationId xmlns:p14="http://schemas.microsoft.com/office/powerpoint/2010/main" xmlns="" val="4003268119"/>
       </p:ext>
     </p:extLst>
   </p:cSld>
@@ -1518,7 +1518,7 @@
     </p:spTree>
     <p:extLst>
       <p:ext uri="{BB962C8B-B14F-4D97-AF65-F5344CB8AC3E}">
-        <p14:creationId xmlns="" xmlns:p14="http://schemas.microsoft.com/office/powerpoint/2010/main" val="3341939384"/>
+        <p14:creationId xmlns:p14="http://schemas.microsoft.com/office/powerpoint/2010/main" xmlns="" val="3341939384"/>
       </p:ext>
     </p:extLst>
   </p:cSld>
@@ -1579,7 +1579,7 @@
     </p:spTree>
     <p:extLst>
       <p:ext uri="{BB962C8B-B14F-4D97-AF65-F5344CB8AC3E}">
-        <p14:creationId xmlns="" xmlns:p14="http://schemas.microsoft.com/office/powerpoint/2010/main" val="3364154112"/>
+        <p14:creationId xmlns:p14="http://schemas.microsoft.com/office/powerpoint/2010/main" xmlns="" val="3364154112"/>
       </p:ext>
     </p:extLst>
   </p:cSld>
@@ -1640,7 +1640,7 @@
     </p:spTree>
     <p:extLst>
       <p:ext uri="{BB962C8B-B14F-4D97-AF65-F5344CB8AC3E}">
-        <p14:creationId xmlns="" xmlns:p14="http://schemas.microsoft.com/office/powerpoint/2010/main" val="3364154112"/>
+        <p14:creationId xmlns:p14="http://schemas.microsoft.com/office/powerpoint/2010/main" xmlns="" val="3364154112"/>
       </p:ext>
     </p:extLst>
   </p:cSld>
@@ -1701,7 +1701,7 @@
     </p:spTree>
     <p:extLst>
       <p:ext uri="{BB962C8B-B14F-4D97-AF65-F5344CB8AC3E}">
-        <p14:creationId xmlns="" xmlns:p14="http://schemas.microsoft.com/office/powerpoint/2010/main" val="3364154112"/>
+        <p14:creationId xmlns:p14="http://schemas.microsoft.com/office/powerpoint/2010/main" xmlns="" val="3364154112"/>
       </p:ext>
     </p:extLst>
   </p:cSld>
@@ -1762,7 +1762,7 @@
     </p:spTree>
     <p:extLst>
       <p:ext uri="{BB962C8B-B14F-4D97-AF65-F5344CB8AC3E}">
-        <p14:creationId xmlns="" xmlns:p14="http://schemas.microsoft.com/office/powerpoint/2010/main" val="3364154112"/>
+        <p14:creationId xmlns:p14="http://schemas.microsoft.com/office/powerpoint/2010/main" xmlns="" val="3364154112"/>
       </p:ext>
     </p:extLst>
   </p:cSld>
@@ -1823,7 +1823,7 @@
     </p:spTree>
     <p:extLst>
       <p:ext uri="{BB962C8B-B14F-4D97-AF65-F5344CB8AC3E}">
-        <p14:creationId xmlns="" xmlns:p14="http://schemas.microsoft.com/office/powerpoint/2010/main" val="3364154112"/>
+        <p14:creationId xmlns:p14="http://schemas.microsoft.com/office/powerpoint/2010/main" xmlns="" val="3364154112"/>
       </p:ext>
     </p:extLst>
   </p:cSld>
@@ -1884,7 +1884,7 @@
     </p:spTree>
     <p:extLst>
       <p:ext uri="{BB962C8B-B14F-4D97-AF65-F5344CB8AC3E}">
-        <p14:creationId xmlns="" xmlns:p14="http://schemas.microsoft.com/office/powerpoint/2010/main" val="3364154112"/>
+        <p14:creationId xmlns:p14="http://schemas.microsoft.com/office/powerpoint/2010/main" xmlns="" val="3364154112"/>
       </p:ext>
     </p:extLst>
   </p:cSld>
@@ -1945,7 +1945,7 @@
     </p:spTree>
     <p:extLst>
       <p:ext uri="{BB962C8B-B14F-4D97-AF65-F5344CB8AC3E}">
-        <p14:creationId xmlns="" xmlns:p14="http://schemas.microsoft.com/office/powerpoint/2010/main" val="3512755709"/>
+        <p14:creationId xmlns:p14="http://schemas.microsoft.com/office/powerpoint/2010/main" xmlns="" val="3512755709"/>
       </p:ext>
     </p:extLst>
   </p:cSld>
@@ -2064,7 +2064,7 @@
     </p:spTree>
     <p:extLst>
       <p:ext uri="{BB962C8B-B14F-4D97-AF65-F5344CB8AC3E}">
-        <p14:creationId xmlns="" xmlns:p14="http://schemas.microsoft.com/office/powerpoint/2010/main" val="3494859888"/>
+        <p14:creationId xmlns:p14="http://schemas.microsoft.com/office/powerpoint/2010/main" xmlns="" val="3494859888"/>
       </p:ext>
     </p:extLst>
   </p:cSld>
@@ -2125,7 +2125,7 @@
     </p:spTree>
     <p:extLst>
       <p:ext uri="{BB962C8B-B14F-4D97-AF65-F5344CB8AC3E}">
-        <p14:creationId xmlns="" xmlns:p14="http://schemas.microsoft.com/office/powerpoint/2010/main" val="2276390304"/>
+        <p14:creationId xmlns:p14="http://schemas.microsoft.com/office/powerpoint/2010/main" xmlns="" val="2276390304"/>
       </p:ext>
     </p:extLst>
   </p:cSld>
@@ -2186,7 +2186,7 @@
     </p:spTree>
     <p:extLst>
       <p:ext uri="{BB962C8B-B14F-4D97-AF65-F5344CB8AC3E}">
-        <p14:creationId xmlns="" xmlns:p14="http://schemas.microsoft.com/office/powerpoint/2010/main" val="1287118214"/>
+        <p14:creationId xmlns:p14="http://schemas.microsoft.com/office/powerpoint/2010/main" xmlns="" val="1287118214"/>
       </p:ext>
     </p:extLst>
   </p:cSld>
@@ -2247,7 +2247,7 @@
     </p:spTree>
     <p:extLst>
       <p:ext uri="{BB962C8B-B14F-4D97-AF65-F5344CB8AC3E}">
-        <p14:creationId xmlns="" xmlns:p14="http://schemas.microsoft.com/office/powerpoint/2010/main" val="24842871"/>
+        <p14:creationId xmlns:p14="http://schemas.microsoft.com/office/powerpoint/2010/main" xmlns="" val="24842871"/>
       </p:ext>
     </p:extLst>
   </p:cSld>
@@ -2308,7 +2308,7 @@
     </p:spTree>
     <p:extLst>
       <p:ext uri="{BB962C8B-B14F-4D97-AF65-F5344CB8AC3E}">
-        <p14:creationId xmlns="" xmlns:p14="http://schemas.microsoft.com/office/powerpoint/2010/main" val="2819961679"/>
+        <p14:creationId xmlns:p14="http://schemas.microsoft.com/office/powerpoint/2010/main" xmlns="" val="2819961679"/>
       </p:ext>
     </p:extLst>
   </p:cSld>
@@ -2369,7 +2369,7 @@
     </p:spTree>
     <p:extLst>
       <p:ext uri="{BB962C8B-B14F-4D97-AF65-F5344CB8AC3E}">
-        <p14:creationId xmlns="" xmlns:p14="http://schemas.microsoft.com/office/powerpoint/2010/main" val="54593299"/>
+        <p14:creationId xmlns:p14="http://schemas.microsoft.com/office/powerpoint/2010/main" xmlns="" val="54593299"/>
       </p:ext>
     </p:extLst>
   </p:cSld>
@@ -2430,7 +2430,7 @@
     </p:spTree>
     <p:extLst>
       <p:ext uri="{BB962C8B-B14F-4D97-AF65-F5344CB8AC3E}">
-        <p14:creationId xmlns="" xmlns:p14="http://schemas.microsoft.com/office/powerpoint/2010/main" val="658241733"/>
+        <p14:creationId xmlns:p14="http://schemas.microsoft.com/office/powerpoint/2010/main" xmlns="" val="658241733"/>
       </p:ext>
     </p:extLst>
   </p:cSld>
@@ -5503,7 +5503,7 @@
           <p:cNvPr id="8" name="그림 7">
             <a:extLst>
               <a:ext uri="{FF2B5EF4-FFF2-40B4-BE49-F238E27FC236}">
-                <a16:creationId xmlns="" xmlns:a16="http://schemas.microsoft.com/office/drawing/2014/main" id="{62BD32CB-DFBB-4974-8112-0120D9E81DC6}"/>
+                <a16:creationId xmlns:a16="http://schemas.microsoft.com/office/drawing/2014/main" xmlns="" id="{62BD32CB-DFBB-4974-8112-0120D9E81DC6}"/>
               </a:ext>
             </a:extLst>
           </p:cNvPr>
@@ -5516,7 +5516,7 @@
           <a:blip r:embed="rId3" cstate="print">
             <a:extLst>
               <a:ext uri="{28A0092B-C50C-407E-A947-70E740481C1C}">
-                <a14:useLocalDpi xmlns="" xmlns:a14="http://schemas.microsoft.com/office/drawing/2010/main" val="0"/>
+                <a14:useLocalDpi xmlns:a14="http://schemas.microsoft.com/office/drawing/2010/main" xmlns="" val="0"/>
               </a:ext>
             </a:extLst>
           </a:blip>
@@ -5539,7 +5539,7 @@
           <p:cNvPr id="4" name="슬라이드 번호 개체 틀 3">
             <a:extLst>
               <a:ext uri="{FF2B5EF4-FFF2-40B4-BE49-F238E27FC236}">
-                <a16:creationId xmlns="" xmlns:a16="http://schemas.microsoft.com/office/drawing/2014/main" id="{01DE573C-8BAB-4114-8888-F2A5A62451CA}"/>
+                <a16:creationId xmlns:a16="http://schemas.microsoft.com/office/drawing/2014/main" xmlns="" id="{01DE573C-8BAB-4114-8888-F2A5A62451CA}"/>
               </a:ext>
             </a:extLst>
           </p:cNvPr>
@@ -5569,7 +5569,7 @@
           <p:cNvPr id="11" name="직선 연결선 10">
             <a:extLst>
               <a:ext uri="{FF2B5EF4-FFF2-40B4-BE49-F238E27FC236}">
-                <a16:creationId xmlns="" xmlns:a16="http://schemas.microsoft.com/office/drawing/2014/main" id="{37626B73-C0E6-4FF6-8368-9AE7DB7A2274}"/>
+                <a16:creationId xmlns:a16="http://schemas.microsoft.com/office/drawing/2014/main" xmlns="" id="{37626B73-C0E6-4FF6-8368-9AE7DB7A2274}"/>
               </a:ext>
             </a:extLst>
           </p:cNvPr>
@@ -5613,7 +5613,14 @@
   <p:clrMapOvr>
     <a:masterClrMapping/>
   </p:clrMapOvr>
-  <p:transition advTm="407"/>
+  <p:transition advTm="390"/>
+  <p:timing>
+    <p:tnLst>
+      <p:par>
+        <p:cTn id="1" dur="indefinite" restart="never" nodeType="tmRoot"/>
+      </p:par>
+    </p:tnLst>
+  </p:timing>
 </p:sld>
 </file>
 
@@ -5722,7 +5729,7 @@
           <p:cNvPr id="22" name="그림 21">
             <a:extLst>
               <a:ext uri="{FF2B5EF4-FFF2-40B4-BE49-F238E27FC236}">
-                <a16:creationId xmlns="" xmlns:a16="http://schemas.microsoft.com/office/drawing/2014/main" id="{FCFEE50E-57BA-4DB6-B7EE-66ECDF4A1020}"/>
+                <a16:creationId xmlns:a16="http://schemas.microsoft.com/office/drawing/2014/main" xmlns="" id="{FCFEE50E-57BA-4DB6-B7EE-66ECDF4A1020}"/>
               </a:ext>
             </a:extLst>
           </p:cNvPr>
@@ -5735,7 +5742,7 @@
           <a:blip r:embed="rId3" cstate="print">
             <a:extLst>
               <a:ext uri="{28A0092B-C50C-407E-A947-70E740481C1C}">
-                <a14:useLocalDpi xmlns="" xmlns:a14="http://schemas.microsoft.com/office/drawing/2010/main" val="0"/>
+                <a14:useLocalDpi xmlns:a14="http://schemas.microsoft.com/office/drawing/2010/main" xmlns="" val="0"/>
               </a:ext>
             </a:extLst>
           </a:blip>
@@ -5758,7 +5765,7 @@
           <p:cNvPr id="18" name="TextBox 17">
             <a:extLst>
               <a:ext uri="{FF2B5EF4-FFF2-40B4-BE49-F238E27FC236}">
-                <a16:creationId xmlns="" xmlns:a16="http://schemas.microsoft.com/office/drawing/2014/main" id="{9842D489-1E22-4BAC-A4E7-CB30C20D43FB}"/>
+                <a16:creationId xmlns:a16="http://schemas.microsoft.com/office/drawing/2014/main" xmlns="" id="{9842D489-1E22-4BAC-A4E7-CB30C20D43FB}"/>
               </a:ext>
             </a:extLst>
           </p:cNvPr>
@@ -6006,13 +6013,21 @@
     </p:spTree>
     <p:extLst>
       <p:ext uri="{BB962C8B-B14F-4D97-AF65-F5344CB8AC3E}">
-        <p14:creationId xmlns="" xmlns:p14="http://schemas.microsoft.com/office/powerpoint/2010/main" val="3801564592"/>
+        <p14:creationId xmlns:p14="http://schemas.microsoft.com/office/powerpoint/2010/main" xmlns="" val="3801564592"/>
       </p:ext>
     </p:extLst>
   </p:cSld>
   <p:clrMapOvr>
     <a:masterClrMapping/>
   </p:clrMapOvr>
+  <p:transition advTm="157"/>
+  <p:timing>
+    <p:tnLst>
+      <p:par>
+        <p:cTn id="1" dur="indefinite" restart="never" nodeType="tmRoot"/>
+      </p:par>
+    </p:tnLst>
+  </p:timing>
 </p:sld>
 </file>
 
@@ -6038,7 +6053,7 @@
           <p:cNvPr id="2" name="그룹 1">
             <a:extLst>
               <a:ext uri="{FF2B5EF4-FFF2-40B4-BE49-F238E27FC236}">
-                <a16:creationId xmlns="" xmlns:a16="http://schemas.microsoft.com/office/drawing/2014/main" id="{5257EF0A-2959-4F41-A0D7-5FED493DDF9F}"/>
+                <a16:creationId xmlns:a16="http://schemas.microsoft.com/office/drawing/2014/main" xmlns="" id="{5257EF0A-2959-4F41-A0D7-5FED493DDF9F}"/>
               </a:ext>
             </a:extLst>
           </p:cNvPr>
@@ -6058,7 +6073,7 @@
             <p:cNvPr id="9" name="TextBox 8">
               <a:extLst>
                 <a:ext uri="{FF2B5EF4-FFF2-40B4-BE49-F238E27FC236}">
-                  <a16:creationId xmlns="" xmlns:a16="http://schemas.microsoft.com/office/drawing/2014/main" id="{D3947105-6879-445D-B76B-D5EFC8256F29}"/>
+                  <a16:creationId xmlns:a16="http://schemas.microsoft.com/office/drawing/2014/main" xmlns="" id="{D3947105-6879-445D-B76B-D5EFC8256F29}"/>
                 </a:ext>
               </a:extLst>
             </p:cNvPr>
@@ -6119,7 +6134,7 @@
             <p:cNvPr id="14" name="TextBox 13">
               <a:extLst>
                 <a:ext uri="{FF2B5EF4-FFF2-40B4-BE49-F238E27FC236}">
-                  <a16:creationId xmlns="" xmlns:a16="http://schemas.microsoft.com/office/drawing/2014/main" id="{7A9521EC-3235-494C-93F6-585BC9C3B43E}"/>
+                  <a16:creationId xmlns:a16="http://schemas.microsoft.com/office/drawing/2014/main" xmlns="" id="{7A9521EC-3235-494C-93F6-585BC9C3B43E}"/>
                 </a:ext>
               </a:extLst>
             </p:cNvPr>
@@ -6165,7 +6180,7 @@
             <p:cNvPr id="3" name="그룹 24">
               <a:extLst>
                 <a:ext uri="{FF2B5EF4-FFF2-40B4-BE49-F238E27FC236}">
-                  <a16:creationId xmlns="" xmlns:a16="http://schemas.microsoft.com/office/drawing/2014/main" id="{1D2D99A6-C3A5-455C-8184-43DACE6D4904}"/>
+                  <a16:creationId xmlns:a16="http://schemas.microsoft.com/office/drawing/2014/main" xmlns="" id="{1D2D99A6-C3A5-455C-8184-43DACE6D4904}"/>
                 </a:ext>
               </a:extLst>
             </p:cNvPr>
@@ -6185,7 +6200,7 @@
               <p:cNvPr id="5" name="직선 연결선 4">
                 <a:extLst>
                   <a:ext uri="{FF2B5EF4-FFF2-40B4-BE49-F238E27FC236}">
-                    <a16:creationId xmlns="" xmlns:a16="http://schemas.microsoft.com/office/drawing/2014/main" id="{F3920279-48F9-42E9-8322-AE444CC499BF}"/>
+                    <a16:creationId xmlns:a16="http://schemas.microsoft.com/office/drawing/2014/main" xmlns="" id="{F3920279-48F9-42E9-8322-AE444CC499BF}"/>
                   </a:ext>
                 </a:extLst>
               </p:cNvPr>
@@ -6234,7 +6249,7 @@
               <p:cNvPr id="7" name="직사각형 6">
                 <a:extLst>
                   <a:ext uri="{FF2B5EF4-FFF2-40B4-BE49-F238E27FC236}">
-                    <a16:creationId xmlns="" xmlns:a16="http://schemas.microsoft.com/office/drawing/2014/main" id="{54FF5575-BD81-49D6-BF4F-81749C4C22BA}"/>
+                    <a16:creationId xmlns:a16="http://schemas.microsoft.com/office/drawing/2014/main" xmlns="" id="{54FF5575-BD81-49D6-BF4F-81749C4C22BA}"/>
                   </a:ext>
                 </a:extLst>
               </p:cNvPr>
@@ -6293,7 +6308,7 @@
           <p:cNvPr id="11" name="그림 10">
             <a:extLst>
               <a:ext uri="{FF2B5EF4-FFF2-40B4-BE49-F238E27FC236}">
-                <a16:creationId xmlns="" xmlns:a16="http://schemas.microsoft.com/office/drawing/2014/main" id="{63FA9DA7-248E-41A7-8482-CB899B3407EF}"/>
+                <a16:creationId xmlns:a16="http://schemas.microsoft.com/office/drawing/2014/main" xmlns="" id="{63FA9DA7-248E-41A7-8482-CB899B3407EF}"/>
               </a:ext>
             </a:extLst>
           </p:cNvPr>
@@ -6306,7 +6321,7 @@
           <a:blip r:embed="rId3" cstate="print">
             <a:extLst>
               <a:ext uri="{28A0092B-C50C-407E-A947-70E740481C1C}">
-                <a14:useLocalDpi xmlns="" xmlns:a14="http://schemas.microsoft.com/office/drawing/2010/main" val="0"/>
+                <a14:useLocalDpi xmlns:a14="http://schemas.microsoft.com/office/drawing/2010/main" xmlns="" val="0"/>
               </a:ext>
             </a:extLst>
           </a:blip>
@@ -6329,7 +6344,7 @@
           <p:cNvPr id="4" name="슬라이드 번호 개체 틀 3">
             <a:extLst>
               <a:ext uri="{FF2B5EF4-FFF2-40B4-BE49-F238E27FC236}">
-                <a16:creationId xmlns="" xmlns:a16="http://schemas.microsoft.com/office/drawing/2014/main" id="{FB59B2E2-F81E-40F9-BBEB-890FC880B656}"/>
+                <a16:creationId xmlns:a16="http://schemas.microsoft.com/office/drawing/2014/main" xmlns="" id="{FB59B2E2-F81E-40F9-BBEB-890FC880B656}"/>
               </a:ext>
             </a:extLst>
           </p:cNvPr>
@@ -6357,14 +6372,21 @@
     </p:spTree>
     <p:extLst>
       <p:ext uri="{BB962C8B-B14F-4D97-AF65-F5344CB8AC3E}">
-        <p14:creationId xmlns="" xmlns:p14="http://schemas.microsoft.com/office/powerpoint/2010/main" val="4080792630"/>
+        <p14:creationId xmlns:p14="http://schemas.microsoft.com/office/powerpoint/2010/main" xmlns="" val="4080792630"/>
       </p:ext>
     </p:extLst>
   </p:cSld>
   <p:clrMapOvr>
     <a:masterClrMapping/>
   </p:clrMapOvr>
-  <p:transition advTm="63"/>
+  <p:transition advTm="31"/>
+  <p:timing>
+    <p:tnLst>
+      <p:par>
+        <p:cTn id="1" dur="indefinite" restart="never" nodeType="tmRoot"/>
+      </p:par>
+    </p:tnLst>
+  </p:timing>
 </p:sld>
 </file>
 
@@ -6679,7 +6701,7 @@
           <p:cNvPr id="2" name="슬라이드 번호 개체 틀 1">
             <a:extLst>
               <a:ext uri="{FF2B5EF4-FFF2-40B4-BE49-F238E27FC236}">
-                <a16:creationId xmlns="" xmlns:a16="http://schemas.microsoft.com/office/drawing/2014/main" id="{1A96C97B-B2AC-4D4D-BE5E-DEE5CB195328}"/>
+                <a16:creationId xmlns:a16="http://schemas.microsoft.com/office/drawing/2014/main" xmlns="" id="{1A96C97B-B2AC-4D4D-BE5E-DEE5CB195328}"/>
               </a:ext>
             </a:extLst>
           </p:cNvPr>
@@ -6709,7 +6731,7 @@
           <p:cNvPr id="7" name="그림 6">
             <a:extLst>
               <a:ext uri="{FF2B5EF4-FFF2-40B4-BE49-F238E27FC236}">
-                <a16:creationId xmlns="" xmlns:a16="http://schemas.microsoft.com/office/drawing/2014/main" id="{B37423C1-E610-4241-AABB-1D506BC4DF47}"/>
+                <a16:creationId xmlns:a16="http://schemas.microsoft.com/office/drawing/2014/main" xmlns="" id="{B37423C1-E610-4241-AABB-1D506BC4DF47}"/>
               </a:ext>
             </a:extLst>
           </p:cNvPr>
@@ -6722,7 +6744,7 @@
           <a:blip r:embed="rId3" cstate="print">
             <a:extLst>
               <a:ext uri="{28A0092B-C50C-407E-A947-70E740481C1C}">
-                <a14:useLocalDpi xmlns="" xmlns:a14="http://schemas.microsoft.com/office/drawing/2010/main" val="0"/>
+                <a14:useLocalDpi xmlns:a14="http://schemas.microsoft.com/office/drawing/2010/main" xmlns="" val="0"/>
               </a:ext>
             </a:extLst>
           </a:blip>
@@ -6743,13 +6765,21 @@
     </p:spTree>
     <p:extLst>
       <p:ext uri="{BB962C8B-B14F-4D97-AF65-F5344CB8AC3E}">
-        <p14:creationId xmlns="" xmlns:p14="http://schemas.microsoft.com/office/powerpoint/2010/main" val="1763241209"/>
+        <p14:creationId xmlns:p14="http://schemas.microsoft.com/office/powerpoint/2010/main" xmlns="" val="1763241209"/>
       </p:ext>
     </p:extLst>
   </p:cSld>
   <p:clrMapOvr>
     <a:masterClrMapping/>
   </p:clrMapOvr>
+  <p:transition advTm="734"/>
+  <p:timing>
+    <p:tnLst>
+      <p:par>
+        <p:cTn id="1" dur="indefinite" restart="never" nodeType="tmRoot"/>
+      </p:par>
+    </p:tnLst>
+  </p:timing>
 </p:sld>
 </file>
 
@@ -6984,7 +7014,7 @@
           <p:cNvPr id="13" name="그림 12">
             <a:extLst>
               <a:ext uri="{FF2B5EF4-FFF2-40B4-BE49-F238E27FC236}">
-                <a16:creationId xmlns="" xmlns:a16="http://schemas.microsoft.com/office/drawing/2014/main" id="{8E687D0E-D682-4D3D-91FF-764C2693AA77}"/>
+                <a16:creationId xmlns:a16="http://schemas.microsoft.com/office/drawing/2014/main" xmlns="" id="{8E687D0E-D682-4D3D-91FF-764C2693AA77}"/>
               </a:ext>
             </a:extLst>
           </p:cNvPr>
@@ -6997,7 +7027,7 @@
           <a:blip r:embed="rId3" cstate="print">
             <a:extLst>
               <a:ext uri="{28A0092B-C50C-407E-A947-70E740481C1C}">
-                <a14:useLocalDpi xmlns="" xmlns:a14="http://schemas.microsoft.com/office/drawing/2010/main" val="0"/>
+                <a14:useLocalDpi xmlns:a14="http://schemas.microsoft.com/office/drawing/2010/main" xmlns="" val="0"/>
               </a:ext>
             </a:extLst>
           </a:blip>
@@ -7020,7 +7050,7 @@
           <p:cNvPr id="2" name="슬라이드 번호 개체 틀 1">
             <a:extLst>
               <a:ext uri="{FF2B5EF4-FFF2-40B4-BE49-F238E27FC236}">
-                <a16:creationId xmlns="" xmlns:a16="http://schemas.microsoft.com/office/drawing/2014/main" id="{7AA69CB2-D530-47A1-9D72-E6B13A9D9F8F}"/>
+                <a16:creationId xmlns:a16="http://schemas.microsoft.com/office/drawing/2014/main" xmlns="" id="{7AA69CB2-D530-47A1-9D72-E6B13A9D9F8F}"/>
               </a:ext>
             </a:extLst>
           </p:cNvPr>
@@ -7067,21 +7097,21 @@
                 <a:gridCol w="1093445">
                   <a:extLst>
                     <a:ext uri="{9D8B030D-6E8A-4147-A177-3AD203B41FA5}">
-                      <a16:colId xmlns="" xmlns:a16="http://schemas.microsoft.com/office/drawing/2014/main" val="3241618370"/>
+                      <a16:colId xmlns:a16="http://schemas.microsoft.com/office/drawing/2014/main" xmlns="" val="3241618370"/>
                     </a:ext>
                   </a:extLst>
                 </a:gridCol>
                 <a:gridCol w="2012555">
                   <a:extLst>
                     <a:ext uri="{9D8B030D-6E8A-4147-A177-3AD203B41FA5}">
-                      <a16:colId xmlns="" xmlns:a16="http://schemas.microsoft.com/office/drawing/2014/main" val="1901580077"/>
+                      <a16:colId xmlns:a16="http://schemas.microsoft.com/office/drawing/2014/main" xmlns="" val="1901580077"/>
                     </a:ext>
                   </a:extLst>
                 </a:gridCol>
                 <a:gridCol w="2281994">
                   <a:extLst>
                     <a:ext uri="{9D8B030D-6E8A-4147-A177-3AD203B41FA5}">
-                      <a16:colId xmlns="" xmlns:a16="http://schemas.microsoft.com/office/drawing/2014/main" val="3559604109"/>
+                      <a16:colId xmlns:a16="http://schemas.microsoft.com/office/drawing/2014/main" xmlns="" val="3559604109"/>
                     </a:ext>
                   </a:extLst>
                 </a:gridCol>
@@ -7149,7 +7179,7 @@
                 </a:tc>
                 <a:extLst>
                   <a:ext uri="{0D108BD9-81ED-4DB2-BD59-A6C34878D82A}">
-                    <a16:rowId xmlns="" xmlns:a16="http://schemas.microsoft.com/office/drawing/2014/main" val="4259571732"/>
+                    <a16:rowId xmlns:a16="http://schemas.microsoft.com/office/drawing/2014/main" xmlns="" val="4259571732"/>
                   </a:ext>
                 </a:extLst>
               </a:tr>
@@ -7231,7 +7261,7 @@
                 </a:tc>
                 <a:extLst>
                   <a:ext uri="{0D108BD9-81ED-4DB2-BD59-A6C34878D82A}">
-                    <a16:rowId xmlns="" xmlns:a16="http://schemas.microsoft.com/office/drawing/2014/main" val="862609736"/>
+                    <a16:rowId xmlns:a16="http://schemas.microsoft.com/office/drawing/2014/main" xmlns="" val="862609736"/>
                   </a:ext>
                 </a:extLst>
               </a:tr>
@@ -7290,7 +7320,7 @@
                 </a:tc>
                 <a:extLst>
                   <a:ext uri="{0D108BD9-81ED-4DB2-BD59-A6C34878D82A}">
-                    <a16:rowId xmlns="" xmlns:a16="http://schemas.microsoft.com/office/drawing/2014/main" val="3729494669"/>
+                    <a16:rowId xmlns:a16="http://schemas.microsoft.com/office/drawing/2014/main" xmlns="" val="3729494669"/>
                   </a:ext>
                 </a:extLst>
               </a:tr>
@@ -7349,7 +7379,7 @@
                 </a:tc>
                 <a:extLst>
                   <a:ext uri="{0D108BD9-81ED-4DB2-BD59-A6C34878D82A}">
-                    <a16:rowId xmlns="" xmlns:a16="http://schemas.microsoft.com/office/drawing/2014/main" val="1536293831"/>
+                    <a16:rowId xmlns:a16="http://schemas.microsoft.com/office/drawing/2014/main" xmlns="" val="1536293831"/>
                   </a:ext>
                 </a:extLst>
               </a:tr>
@@ -7399,7 +7429,7 @@
                 </a:tc>
                 <a:extLst>
                   <a:ext uri="{0D108BD9-81ED-4DB2-BD59-A6C34878D82A}">
-                    <a16:rowId xmlns="" xmlns:a16="http://schemas.microsoft.com/office/drawing/2014/main" val="3092955833"/>
+                    <a16:rowId xmlns:a16="http://schemas.microsoft.com/office/drawing/2014/main" xmlns="" val="3092955833"/>
                   </a:ext>
                 </a:extLst>
               </a:tr>
@@ -7465,7 +7495,7 @@
                 </a:tc>
                 <a:extLst>
                   <a:ext uri="{0D108BD9-81ED-4DB2-BD59-A6C34878D82A}">
-                    <a16:rowId xmlns="" xmlns:a16="http://schemas.microsoft.com/office/drawing/2014/main" val="3340448048"/>
+                    <a16:rowId xmlns:a16="http://schemas.microsoft.com/office/drawing/2014/main" xmlns="" val="3340448048"/>
                   </a:ext>
                 </a:extLst>
               </a:tr>
@@ -7734,13 +7764,21 @@
     </p:spTree>
     <p:extLst>
       <p:ext uri="{BB962C8B-B14F-4D97-AF65-F5344CB8AC3E}">
-        <p14:creationId xmlns="" xmlns:p14="http://schemas.microsoft.com/office/powerpoint/2010/main" val="837455012"/>
+        <p14:creationId xmlns:p14="http://schemas.microsoft.com/office/powerpoint/2010/main" xmlns="" val="837455012"/>
       </p:ext>
     </p:extLst>
   </p:cSld>
   <p:clrMapOvr>
     <a:masterClrMapping/>
   </p:clrMapOvr>
+  <p:transition advTm="188"/>
+  <p:timing>
+    <p:tnLst>
+      <p:par>
+        <p:cTn id="1" dur="indefinite" restart="never" nodeType="tmRoot"/>
+      </p:par>
+    </p:tnLst>
+  </p:timing>
 </p:sld>
 </file>
 
@@ -7766,7 +7804,7 @@
           <p:cNvPr id="7" name="그림 6" descr="텍스트, 더러운이(가) 표시된 사진&#10;&#10;자동 생성된 설명">
             <a:extLst>
               <a:ext uri="{FF2B5EF4-FFF2-40B4-BE49-F238E27FC236}">
-                <a16:creationId xmlns="" xmlns:a16="http://schemas.microsoft.com/office/drawing/2014/main" id="{6FBBA124-96F8-4825-81FE-F16A88F950B3}"/>
+                <a16:creationId xmlns:a16="http://schemas.microsoft.com/office/drawing/2014/main" xmlns="" id="{6FBBA124-96F8-4825-81FE-F16A88F950B3}"/>
               </a:ext>
             </a:extLst>
           </p:cNvPr>
@@ -7779,7 +7817,7 @@
           <a:blip r:embed="rId3" cstate="print">
             <a:extLst>
               <a:ext uri="{28A0092B-C50C-407E-A947-70E740481C1C}">
-                <a14:useLocalDpi xmlns="" xmlns:a14="http://schemas.microsoft.com/office/drawing/2010/main" val="0"/>
+                <a14:useLocalDpi xmlns:a14="http://schemas.microsoft.com/office/drawing/2010/main" xmlns="" val="0"/>
               </a:ext>
             </a:extLst>
           </a:blip>
@@ -8281,7 +8319,7 @@
           <p:cNvPr id="18" name="슬라이드 번호 개체 틀 17">
             <a:extLst>
               <a:ext uri="{FF2B5EF4-FFF2-40B4-BE49-F238E27FC236}">
-                <a16:creationId xmlns="" xmlns:a16="http://schemas.microsoft.com/office/drawing/2014/main" id="{80E74BDD-2288-4955-BCED-8609EFDE5904}"/>
+                <a16:creationId xmlns:a16="http://schemas.microsoft.com/office/drawing/2014/main" xmlns="" id="{80E74BDD-2288-4955-BCED-8609EFDE5904}"/>
               </a:ext>
             </a:extLst>
           </p:cNvPr>
@@ -8311,7 +8349,7 @@
           <p:cNvPr id="9" name="그림 8">
             <a:extLst>
               <a:ext uri="{FF2B5EF4-FFF2-40B4-BE49-F238E27FC236}">
-                <a16:creationId xmlns="" xmlns:a16="http://schemas.microsoft.com/office/drawing/2014/main" id="{11FCF7F9-5437-4E72-9F4B-34D00CE0DB07}"/>
+                <a16:creationId xmlns:a16="http://schemas.microsoft.com/office/drawing/2014/main" xmlns="" id="{11FCF7F9-5437-4E72-9F4B-34D00CE0DB07}"/>
               </a:ext>
             </a:extLst>
           </p:cNvPr>
@@ -8324,7 +8362,7 @@
           <a:blip r:embed="rId4" cstate="print">
             <a:extLst>
               <a:ext uri="{28A0092B-C50C-407E-A947-70E740481C1C}">
-                <a14:useLocalDpi xmlns="" xmlns:a14="http://schemas.microsoft.com/office/drawing/2010/main" val="0"/>
+                <a14:useLocalDpi xmlns:a14="http://schemas.microsoft.com/office/drawing/2010/main" xmlns="" val="0"/>
               </a:ext>
             </a:extLst>
           </a:blip>
@@ -8449,7 +8487,7 @@
           <p:cNvPr id="22" name="TextBox 21">
             <a:extLst>
               <a:ext uri="{FF2B5EF4-FFF2-40B4-BE49-F238E27FC236}">
-                <a16:creationId xmlns="" xmlns:a16="http://schemas.microsoft.com/office/drawing/2014/main" id="{8658CD88-E092-B642-99F7-6F2483B6DBCC}"/>
+                <a16:creationId xmlns:a16="http://schemas.microsoft.com/office/drawing/2014/main" xmlns="" id="{8658CD88-E092-B642-99F7-6F2483B6DBCC}"/>
               </a:ext>
             </a:extLst>
           </p:cNvPr>
@@ -8487,7 +8525,7 @@
           <p:cNvPr id="28" name="직사각형 27">
             <a:extLst>
               <a:ext uri="{FF2B5EF4-FFF2-40B4-BE49-F238E27FC236}">
-                <a16:creationId xmlns="" xmlns:a16="http://schemas.microsoft.com/office/drawing/2014/main" id="{0F8622CC-71EF-464A-AF85-5D6AB569F896}"/>
+                <a16:creationId xmlns:a16="http://schemas.microsoft.com/office/drawing/2014/main" xmlns="" id="{0F8622CC-71EF-464A-AF85-5D6AB569F896}"/>
               </a:ext>
             </a:extLst>
           </p:cNvPr>
@@ -8544,7 +8582,7 @@
           <p:cNvPr id="29" name="그림 28" descr="더러운이(가) 표시된 사진&#10;&#10;자동 생성된 설명">
             <a:extLst>
               <a:ext uri="{FF2B5EF4-FFF2-40B4-BE49-F238E27FC236}">
-                <a16:creationId xmlns="" xmlns:a16="http://schemas.microsoft.com/office/drawing/2014/main" id="{F4952900-7FC4-42BB-B153-1A5450C62250}"/>
+                <a16:creationId xmlns:a16="http://schemas.microsoft.com/office/drawing/2014/main" xmlns="" id="{F4952900-7FC4-42BB-B153-1A5450C62250}"/>
               </a:ext>
             </a:extLst>
           </p:cNvPr>
@@ -8557,7 +8595,7 @@
           <a:blip r:embed="rId5" cstate="print">
             <a:extLst>
               <a:ext uri="{28A0092B-C50C-407E-A947-70E740481C1C}">
-                <a14:useLocalDpi xmlns="" xmlns:a14="http://schemas.microsoft.com/office/drawing/2010/main" val="0"/>
+                <a14:useLocalDpi xmlns:a14="http://schemas.microsoft.com/office/drawing/2010/main" xmlns="" val="0"/>
               </a:ext>
             </a:extLst>
           </a:blip>
@@ -8579,7 +8617,7 @@
           <p:cNvPr id="32" name="TextBox 31">
             <a:extLst>
               <a:ext uri="{FF2B5EF4-FFF2-40B4-BE49-F238E27FC236}">
-                <a16:creationId xmlns="" xmlns:a16="http://schemas.microsoft.com/office/drawing/2014/main" id="{26C07D8C-70E1-4EA3-9688-DB6F36A3A12B}"/>
+                <a16:creationId xmlns:a16="http://schemas.microsoft.com/office/drawing/2014/main" xmlns="" id="{26C07D8C-70E1-4EA3-9688-DB6F36A3A12B}"/>
               </a:ext>
             </a:extLst>
           </p:cNvPr>
@@ -8617,7 +8655,7 @@
           <p:cNvPr id="33" name="직사각형 32">
             <a:extLst>
               <a:ext uri="{FF2B5EF4-FFF2-40B4-BE49-F238E27FC236}">
-                <a16:creationId xmlns="" xmlns:a16="http://schemas.microsoft.com/office/drawing/2014/main" id="{491B5EF2-07FF-4A79-8DBE-743FE4A47A94}"/>
+                <a16:creationId xmlns:a16="http://schemas.microsoft.com/office/drawing/2014/main" xmlns="" id="{491B5EF2-07FF-4A79-8DBE-743FE4A47A94}"/>
               </a:ext>
             </a:extLst>
           </p:cNvPr>
@@ -8672,14 +8710,21 @@
     </p:spTree>
     <p:extLst>
       <p:ext uri="{BB962C8B-B14F-4D97-AF65-F5344CB8AC3E}">
-        <p14:creationId xmlns="" xmlns:p14="http://schemas.microsoft.com/office/powerpoint/2010/main" val="1045631029"/>
+        <p14:creationId xmlns:p14="http://schemas.microsoft.com/office/powerpoint/2010/main" xmlns="" val="1045631029"/>
       </p:ext>
     </p:extLst>
   </p:cSld>
   <p:clrMapOvr>
     <a:masterClrMapping/>
   </p:clrMapOvr>
-  <p:transition advTm="172"/>
+  <p:transition advTm="125"/>
+  <p:timing>
+    <p:tnLst>
+      <p:par>
+        <p:cTn id="1" dur="indefinite" restart="never" nodeType="tmRoot"/>
+      </p:par>
+    </p:tnLst>
+  </p:timing>
 </p:sld>
 </file>
 
@@ -9154,7 +9199,7 @@
           <p:cNvPr id="18" name="슬라이드 번호 개체 틀 17">
             <a:extLst>
               <a:ext uri="{FF2B5EF4-FFF2-40B4-BE49-F238E27FC236}">
-                <a16:creationId xmlns="" xmlns:a16="http://schemas.microsoft.com/office/drawing/2014/main" id="{80E74BDD-2288-4955-BCED-8609EFDE5904}"/>
+                <a16:creationId xmlns:a16="http://schemas.microsoft.com/office/drawing/2014/main" xmlns="" id="{80E74BDD-2288-4955-BCED-8609EFDE5904}"/>
               </a:ext>
             </a:extLst>
           </p:cNvPr>
@@ -9184,7 +9229,7 @@
           <p:cNvPr id="9" name="그림 8">
             <a:extLst>
               <a:ext uri="{FF2B5EF4-FFF2-40B4-BE49-F238E27FC236}">
-                <a16:creationId xmlns="" xmlns:a16="http://schemas.microsoft.com/office/drawing/2014/main" id="{11FCF7F9-5437-4E72-9F4B-34D00CE0DB07}"/>
+                <a16:creationId xmlns:a16="http://schemas.microsoft.com/office/drawing/2014/main" xmlns="" id="{11FCF7F9-5437-4E72-9F4B-34D00CE0DB07}"/>
               </a:ext>
             </a:extLst>
           </p:cNvPr>
@@ -9197,7 +9242,7 @@
           <a:blip r:embed="rId3" cstate="print">
             <a:extLst>
               <a:ext uri="{28A0092B-C50C-407E-A947-70E740481C1C}">
-                <a14:useLocalDpi xmlns="" xmlns:a14="http://schemas.microsoft.com/office/drawing/2010/main" val="0"/>
+                <a14:useLocalDpi xmlns:a14="http://schemas.microsoft.com/office/drawing/2010/main" xmlns="" val="0"/>
               </a:ext>
             </a:extLst>
           </a:blip>
@@ -9220,7 +9265,7 @@
           <p:cNvPr id="22" name="TextBox 21">
             <a:extLst>
               <a:ext uri="{FF2B5EF4-FFF2-40B4-BE49-F238E27FC236}">
-                <a16:creationId xmlns="" xmlns:a16="http://schemas.microsoft.com/office/drawing/2014/main" id="{8658CD88-E092-B642-99F7-6F2483B6DBCC}"/>
+                <a16:creationId xmlns:a16="http://schemas.microsoft.com/office/drawing/2014/main" xmlns="" id="{8658CD88-E092-B642-99F7-6F2483B6DBCC}"/>
               </a:ext>
             </a:extLst>
           </p:cNvPr>
@@ -9258,7 +9303,7 @@
           <p:cNvPr id="24" name="그림 23" descr="실내, 금속, 오래된, 더러운이(가) 표시된 사진&#10;&#10;자동 생성된 설명">
             <a:extLst>
               <a:ext uri="{FF2B5EF4-FFF2-40B4-BE49-F238E27FC236}">
-                <a16:creationId xmlns="" xmlns:a16="http://schemas.microsoft.com/office/drawing/2014/main" id="{1CD97A85-42DF-4A4E-A0C7-99A2D873CAC7}"/>
+                <a16:creationId xmlns:a16="http://schemas.microsoft.com/office/drawing/2014/main" xmlns="" id="{1CD97A85-42DF-4A4E-A0C7-99A2D873CAC7}"/>
               </a:ext>
             </a:extLst>
           </p:cNvPr>
@@ -9271,7 +9316,7 @@
           <a:blip r:embed="rId4" cstate="print">
             <a:extLst>
               <a:ext uri="{28A0092B-C50C-407E-A947-70E740481C1C}">
-                <a14:useLocalDpi xmlns="" xmlns:a14="http://schemas.microsoft.com/office/drawing/2010/main" val="0"/>
+                <a14:useLocalDpi xmlns:a14="http://schemas.microsoft.com/office/drawing/2010/main" xmlns="" val="0"/>
               </a:ext>
             </a:extLst>
           </a:blip>
@@ -9293,7 +9338,7 @@
           <p:cNvPr id="25" name="직사각형 24">
             <a:extLst>
               <a:ext uri="{FF2B5EF4-FFF2-40B4-BE49-F238E27FC236}">
-                <a16:creationId xmlns="" xmlns:a16="http://schemas.microsoft.com/office/drawing/2014/main" id="{924C90D9-53ED-44CE-B2E2-14D59529F947}"/>
+                <a16:creationId xmlns:a16="http://schemas.microsoft.com/office/drawing/2014/main" xmlns="" id="{924C90D9-53ED-44CE-B2E2-14D59529F947}"/>
               </a:ext>
             </a:extLst>
           </p:cNvPr>
@@ -9350,7 +9395,7 @@
           <p:cNvPr id="26" name="그림 25" descr="텍스트, 더러운이(가) 표시된 사진&#10;&#10;자동 생성된 설명">
             <a:extLst>
               <a:ext uri="{FF2B5EF4-FFF2-40B4-BE49-F238E27FC236}">
-                <a16:creationId xmlns="" xmlns:a16="http://schemas.microsoft.com/office/drawing/2014/main" id="{57F518C8-0EFA-421B-BEBD-CABD53950CD3}"/>
+                <a16:creationId xmlns:a16="http://schemas.microsoft.com/office/drawing/2014/main" xmlns="" id="{57F518C8-0EFA-421B-BEBD-CABD53950CD3}"/>
               </a:ext>
             </a:extLst>
           </p:cNvPr>
@@ -9363,7 +9408,7 @@
           <a:blip r:embed="rId5" cstate="print">
             <a:extLst>
               <a:ext uri="{28A0092B-C50C-407E-A947-70E740481C1C}">
-                <a14:useLocalDpi xmlns="" xmlns:a14="http://schemas.microsoft.com/office/drawing/2010/main" val="0"/>
+                <a14:useLocalDpi xmlns:a14="http://schemas.microsoft.com/office/drawing/2010/main" xmlns="" val="0"/>
               </a:ext>
             </a:extLst>
           </a:blip>
@@ -9385,7 +9430,7 @@
           <p:cNvPr id="27" name="TextBox 26">
             <a:extLst>
               <a:ext uri="{FF2B5EF4-FFF2-40B4-BE49-F238E27FC236}">
-                <a16:creationId xmlns="" xmlns:a16="http://schemas.microsoft.com/office/drawing/2014/main" id="{B9CF08F0-59D5-45DB-9637-4DF2995F761F}"/>
+                <a16:creationId xmlns:a16="http://schemas.microsoft.com/office/drawing/2014/main" xmlns="" id="{B9CF08F0-59D5-45DB-9637-4DF2995F761F}"/>
               </a:ext>
             </a:extLst>
           </p:cNvPr>
@@ -9423,7 +9468,7 @@
           <p:cNvPr id="28" name="직사각형 27">
             <a:extLst>
               <a:ext uri="{FF2B5EF4-FFF2-40B4-BE49-F238E27FC236}">
-                <a16:creationId xmlns="" xmlns:a16="http://schemas.microsoft.com/office/drawing/2014/main" id="{08F2D802-3A41-4B97-B47F-5F9FB7796B16}"/>
+                <a16:creationId xmlns:a16="http://schemas.microsoft.com/office/drawing/2014/main" xmlns="" id="{08F2D802-3A41-4B97-B47F-5F9FB7796B16}"/>
               </a:ext>
             </a:extLst>
           </p:cNvPr>
@@ -9478,7 +9523,7 @@
     </p:spTree>
     <p:extLst>
       <p:ext uri="{BB962C8B-B14F-4D97-AF65-F5344CB8AC3E}">
-        <p14:creationId xmlns="" xmlns:p14="http://schemas.microsoft.com/office/powerpoint/2010/main" val="1348085519"/>
+        <p14:creationId xmlns:p14="http://schemas.microsoft.com/office/powerpoint/2010/main" xmlns="" val="1348085519"/>
       </p:ext>
     </p:extLst>
   </p:cSld>
@@ -9486,6 +9531,13 @@
     <a:masterClrMapping/>
   </p:clrMapOvr>
   <p:transition advTm="172"/>
+  <p:timing>
+    <p:tnLst>
+      <p:par>
+        <p:cTn id="1" dur="indefinite" restart="never" nodeType="tmRoot"/>
+      </p:par>
+    </p:tnLst>
+  </p:timing>
 </p:sld>
 </file>
 
@@ -9511,7 +9563,7 @@
           <p:cNvPr id="24" name="그림 23" descr="벽, 금속, 더러운, 잡기이(가) 표시된 사진&#10;&#10;자동 생성된 설명">
             <a:extLst>
               <a:ext uri="{FF2B5EF4-FFF2-40B4-BE49-F238E27FC236}">
-                <a16:creationId xmlns="" xmlns:a16="http://schemas.microsoft.com/office/drawing/2014/main" id="{C513B73B-12F8-4EC7-83B3-47F2A6CC6085}"/>
+                <a16:creationId xmlns:a16="http://schemas.microsoft.com/office/drawing/2014/main" xmlns="" id="{C513B73B-12F8-4EC7-83B3-47F2A6CC6085}"/>
               </a:ext>
             </a:extLst>
           </p:cNvPr>
@@ -9524,7 +9576,7 @@
           <a:blip r:embed="rId3" cstate="print">
             <a:extLst>
               <a:ext uri="{28A0092B-C50C-407E-A947-70E740481C1C}">
-                <a14:useLocalDpi xmlns="" xmlns:a14="http://schemas.microsoft.com/office/drawing/2010/main" val="0"/>
+                <a14:useLocalDpi xmlns:a14="http://schemas.microsoft.com/office/drawing/2010/main" xmlns="" val="0"/>
               </a:ext>
             </a:extLst>
           </a:blip>
@@ -10010,7 +10062,7 @@
           <p:cNvPr id="18" name="슬라이드 번호 개체 틀 17">
             <a:extLst>
               <a:ext uri="{FF2B5EF4-FFF2-40B4-BE49-F238E27FC236}">
-                <a16:creationId xmlns="" xmlns:a16="http://schemas.microsoft.com/office/drawing/2014/main" id="{80E74BDD-2288-4955-BCED-8609EFDE5904}"/>
+                <a16:creationId xmlns:a16="http://schemas.microsoft.com/office/drawing/2014/main" xmlns="" id="{80E74BDD-2288-4955-BCED-8609EFDE5904}"/>
               </a:ext>
             </a:extLst>
           </p:cNvPr>
@@ -10040,7 +10092,7 @@
           <p:cNvPr id="9" name="그림 8">
             <a:extLst>
               <a:ext uri="{FF2B5EF4-FFF2-40B4-BE49-F238E27FC236}">
-                <a16:creationId xmlns="" xmlns:a16="http://schemas.microsoft.com/office/drawing/2014/main" id="{11FCF7F9-5437-4E72-9F4B-34D00CE0DB07}"/>
+                <a16:creationId xmlns:a16="http://schemas.microsoft.com/office/drawing/2014/main" xmlns="" id="{11FCF7F9-5437-4E72-9F4B-34D00CE0DB07}"/>
               </a:ext>
             </a:extLst>
           </p:cNvPr>
@@ -10053,7 +10105,7 @@
           <a:blip r:embed="rId4" cstate="print">
             <a:extLst>
               <a:ext uri="{28A0092B-C50C-407E-A947-70E740481C1C}">
-                <a14:useLocalDpi xmlns="" xmlns:a14="http://schemas.microsoft.com/office/drawing/2010/main" val="0"/>
+                <a14:useLocalDpi xmlns:a14="http://schemas.microsoft.com/office/drawing/2010/main" xmlns="" val="0"/>
               </a:ext>
             </a:extLst>
           </a:blip>
@@ -10127,7 +10179,7 @@
           <p:cNvPr id="22" name="TextBox 21">
             <a:extLst>
               <a:ext uri="{FF2B5EF4-FFF2-40B4-BE49-F238E27FC236}">
-                <a16:creationId xmlns="" xmlns:a16="http://schemas.microsoft.com/office/drawing/2014/main" id="{8658CD88-E092-B642-99F7-6F2483B6DBCC}"/>
+                <a16:creationId xmlns:a16="http://schemas.microsoft.com/office/drawing/2014/main" xmlns="" id="{8658CD88-E092-B642-99F7-6F2483B6DBCC}"/>
               </a:ext>
             </a:extLst>
           </p:cNvPr>
@@ -10165,7 +10217,7 @@
           <p:cNvPr id="12" name="그림 11" descr="실내, 더러운이(가) 표시된 사진&#10;&#10;자동 생성된 설명">
             <a:extLst>
               <a:ext uri="{FF2B5EF4-FFF2-40B4-BE49-F238E27FC236}">
-                <a16:creationId xmlns="" xmlns:a16="http://schemas.microsoft.com/office/drawing/2014/main" id="{CA89C9A9-85EB-4CCE-966E-F25FDDE4FA36}"/>
+                <a16:creationId xmlns:a16="http://schemas.microsoft.com/office/drawing/2014/main" xmlns="" id="{CA89C9A9-85EB-4CCE-966E-F25FDDE4FA36}"/>
               </a:ext>
             </a:extLst>
           </p:cNvPr>
@@ -10178,7 +10230,7 @@
           <a:blip r:embed="rId5" cstate="print">
             <a:extLst>
               <a:ext uri="{28A0092B-C50C-407E-A947-70E740481C1C}">
-                <a14:useLocalDpi xmlns="" xmlns:a14="http://schemas.microsoft.com/office/drawing/2010/main" val="0"/>
+                <a14:useLocalDpi xmlns:a14="http://schemas.microsoft.com/office/drawing/2010/main" xmlns="" val="0"/>
               </a:ext>
             </a:extLst>
           </a:blip>
@@ -10200,7 +10252,7 @@
           <p:cNvPr id="26" name="TextBox 25">
             <a:extLst>
               <a:ext uri="{FF2B5EF4-FFF2-40B4-BE49-F238E27FC236}">
-                <a16:creationId xmlns="" xmlns:a16="http://schemas.microsoft.com/office/drawing/2014/main" id="{3AAF8E43-7DEE-417F-B5AA-8663DDA3C0D4}"/>
+                <a16:creationId xmlns:a16="http://schemas.microsoft.com/office/drawing/2014/main" xmlns="" id="{3AAF8E43-7DEE-417F-B5AA-8663DDA3C0D4}"/>
               </a:ext>
             </a:extLst>
           </p:cNvPr>
@@ -10238,7 +10290,7 @@
           <p:cNvPr id="27" name="직사각형 26">
             <a:extLst>
               <a:ext uri="{FF2B5EF4-FFF2-40B4-BE49-F238E27FC236}">
-                <a16:creationId xmlns="" xmlns:a16="http://schemas.microsoft.com/office/drawing/2014/main" id="{666F2CBB-4806-4BC5-B205-94774C097BDE}"/>
+                <a16:creationId xmlns:a16="http://schemas.microsoft.com/office/drawing/2014/main" xmlns="" id="{666F2CBB-4806-4BC5-B205-94774C097BDE}"/>
               </a:ext>
             </a:extLst>
           </p:cNvPr>
@@ -10293,14 +10345,21 @@
     </p:spTree>
     <p:extLst>
       <p:ext uri="{BB962C8B-B14F-4D97-AF65-F5344CB8AC3E}">
-        <p14:creationId xmlns="" xmlns:p14="http://schemas.microsoft.com/office/powerpoint/2010/main" val="261023851"/>
+        <p14:creationId xmlns:p14="http://schemas.microsoft.com/office/powerpoint/2010/main" xmlns="" val="261023851"/>
       </p:ext>
     </p:extLst>
   </p:cSld>
   <p:clrMapOvr>
     <a:masterClrMapping/>
   </p:clrMapOvr>
-  <p:transition advTm="172"/>
+  <p:transition advTm="140"/>
+  <p:timing>
+    <p:tnLst>
+      <p:par>
+        <p:cTn id="1" dur="indefinite" restart="never" nodeType="tmRoot"/>
+      </p:par>
+    </p:tnLst>
+  </p:timing>
 </p:sld>
 </file>
 
@@ -10326,7 +10385,7 @@
           <p:cNvPr id="24" name="그림 23" descr="더러운이(가) 표시된 사진&#10;&#10;자동 생성된 설명">
             <a:extLst>
               <a:ext uri="{FF2B5EF4-FFF2-40B4-BE49-F238E27FC236}">
-                <a16:creationId xmlns="" xmlns:a16="http://schemas.microsoft.com/office/drawing/2014/main" id="{9A84165A-4C50-41E9-98F4-E4406C129B68}"/>
+                <a16:creationId xmlns:a16="http://schemas.microsoft.com/office/drawing/2014/main" xmlns="" id="{9A84165A-4C50-41E9-98F4-E4406C129B68}"/>
               </a:ext>
             </a:extLst>
           </p:cNvPr>
@@ -10339,7 +10398,7 @@
           <a:blip r:embed="rId3" cstate="print">
             <a:extLst>
               <a:ext uri="{28A0092B-C50C-407E-A947-70E740481C1C}">
-                <a14:useLocalDpi xmlns="" xmlns:a14="http://schemas.microsoft.com/office/drawing/2010/main" val="0"/>
+                <a14:useLocalDpi xmlns:a14="http://schemas.microsoft.com/office/drawing/2010/main" xmlns="" val="0"/>
               </a:ext>
             </a:extLst>
           </a:blip>
@@ -10807,7 +10866,7 @@
           <p:cNvPr id="18" name="슬라이드 번호 개체 틀 17">
             <a:extLst>
               <a:ext uri="{FF2B5EF4-FFF2-40B4-BE49-F238E27FC236}">
-                <a16:creationId xmlns="" xmlns:a16="http://schemas.microsoft.com/office/drawing/2014/main" id="{80E74BDD-2288-4955-BCED-8609EFDE5904}"/>
+                <a16:creationId xmlns:a16="http://schemas.microsoft.com/office/drawing/2014/main" xmlns="" id="{80E74BDD-2288-4955-BCED-8609EFDE5904}"/>
               </a:ext>
             </a:extLst>
           </p:cNvPr>
@@ -10837,7 +10896,7 @@
           <p:cNvPr id="9" name="그림 8">
             <a:extLst>
               <a:ext uri="{FF2B5EF4-FFF2-40B4-BE49-F238E27FC236}">
-                <a16:creationId xmlns="" xmlns:a16="http://schemas.microsoft.com/office/drawing/2014/main" id="{11FCF7F9-5437-4E72-9F4B-34D00CE0DB07}"/>
+                <a16:creationId xmlns:a16="http://schemas.microsoft.com/office/drawing/2014/main" xmlns="" id="{11FCF7F9-5437-4E72-9F4B-34D00CE0DB07}"/>
               </a:ext>
             </a:extLst>
           </p:cNvPr>
@@ -10850,7 +10909,7 @@
           <a:blip r:embed="rId4" cstate="print">
             <a:extLst>
               <a:ext uri="{28A0092B-C50C-407E-A947-70E740481C1C}">
-                <a14:useLocalDpi xmlns="" xmlns:a14="http://schemas.microsoft.com/office/drawing/2010/main" val="0"/>
+                <a14:useLocalDpi xmlns:a14="http://schemas.microsoft.com/office/drawing/2010/main" xmlns="" val="0"/>
               </a:ext>
             </a:extLst>
           </a:blip>
@@ -10924,7 +10983,7 @@
           <p:cNvPr id="22" name="TextBox 21">
             <a:extLst>
               <a:ext uri="{FF2B5EF4-FFF2-40B4-BE49-F238E27FC236}">
-                <a16:creationId xmlns="" xmlns:a16="http://schemas.microsoft.com/office/drawing/2014/main" id="{8658CD88-E092-B642-99F7-6F2483B6DBCC}"/>
+                <a16:creationId xmlns:a16="http://schemas.microsoft.com/office/drawing/2014/main" xmlns="" id="{8658CD88-E092-B642-99F7-6F2483B6DBCC}"/>
               </a:ext>
             </a:extLst>
           </p:cNvPr>
@@ -10962,7 +11021,7 @@
           <p:cNvPr id="27" name="그림 26" descr="텍스트이(가) 표시된 사진&#10;&#10;자동 생성된 설명">
             <a:extLst>
               <a:ext uri="{FF2B5EF4-FFF2-40B4-BE49-F238E27FC236}">
-                <a16:creationId xmlns="" xmlns:a16="http://schemas.microsoft.com/office/drawing/2014/main" id="{B5A7C04E-D978-4540-AAAF-1A33F7942A25}"/>
+                <a16:creationId xmlns:a16="http://schemas.microsoft.com/office/drawing/2014/main" xmlns="" id="{B5A7C04E-D978-4540-AAAF-1A33F7942A25}"/>
               </a:ext>
             </a:extLst>
           </p:cNvPr>
@@ -10975,7 +11034,7 @@
           <a:blip r:embed="rId5" cstate="print">
             <a:extLst>
               <a:ext uri="{28A0092B-C50C-407E-A947-70E740481C1C}">
-                <a14:useLocalDpi xmlns="" xmlns:a14="http://schemas.microsoft.com/office/drawing/2010/main" val="0"/>
+                <a14:useLocalDpi xmlns:a14="http://schemas.microsoft.com/office/drawing/2010/main" xmlns="" val="0"/>
               </a:ext>
             </a:extLst>
           </a:blip>
@@ -10997,7 +11056,7 @@
           <p:cNvPr id="29" name="TextBox 28">
             <a:extLst>
               <a:ext uri="{FF2B5EF4-FFF2-40B4-BE49-F238E27FC236}">
-                <a16:creationId xmlns="" xmlns:a16="http://schemas.microsoft.com/office/drawing/2014/main" id="{ADB53094-6B1C-4A10-8996-B1619E4D9AC1}"/>
+                <a16:creationId xmlns:a16="http://schemas.microsoft.com/office/drawing/2014/main" xmlns="" id="{ADB53094-6B1C-4A10-8996-B1619E4D9AC1}"/>
               </a:ext>
             </a:extLst>
           </p:cNvPr>
@@ -11035,7 +11094,7 @@
           <p:cNvPr id="30" name="직사각형 29">
             <a:extLst>
               <a:ext uri="{FF2B5EF4-FFF2-40B4-BE49-F238E27FC236}">
-                <a16:creationId xmlns="" xmlns:a16="http://schemas.microsoft.com/office/drawing/2014/main" id="{60FBB090-BF16-46F6-9B28-15C3EFFFCB5D}"/>
+                <a16:creationId xmlns:a16="http://schemas.microsoft.com/office/drawing/2014/main" xmlns="" id="{60FBB090-BF16-46F6-9B28-15C3EFFFCB5D}"/>
               </a:ext>
             </a:extLst>
           </p:cNvPr>
@@ -11090,14 +11149,21 @@
     </p:spTree>
     <p:extLst>
       <p:ext uri="{BB962C8B-B14F-4D97-AF65-F5344CB8AC3E}">
-        <p14:creationId xmlns="" xmlns:p14="http://schemas.microsoft.com/office/powerpoint/2010/main" val="2432884117"/>
+        <p14:creationId xmlns:p14="http://schemas.microsoft.com/office/powerpoint/2010/main" xmlns="" val="2432884117"/>
       </p:ext>
     </p:extLst>
   </p:cSld>
   <p:clrMapOvr>
     <a:masterClrMapping/>
   </p:clrMapOvr>
-  <p:transition advTm="172"/>
+  <p:transition advTm="407"/>
+  <p:timing>
+    <p:tnLst>
+      <p:par>
+        <p:cTn id="1" dur="indefinite" restart="never" nodeType="tmRoot"/>
+      </p:par>
+    </p:tnLst>
+  </p:timing>
 </p:sld>
 </file>
 
@@ -11206,7 +11272,7 @@
           <p:cNvPr id="22" name="그림 21">
             <a:extLst>
               <a:ext uri="{FF2B5EF4-FFF2-40B4-BE49-F238E27FC236}">
-                <a16:creationId xmlns="" xmlns:a16="http://schemas.microsoft.com/office/drawing/2014/main" id="{FCFEE50E-57BA-4DB6-B7EE-66ECDF4A1020}"/>
+                <a16:creationId xmlns:a16="http://schemas.microsoft.com/office/drawing/2014/main" xmlns="" id="{FCFEE50E-57BA-4DB6-B7EE-66ECDF4A1020}"/>
               </a:ext>
             </a:extLst>
           </p:cNvPr>
@@ -11219,7 +11285,7 @@
           <a:blip r:embed="rId3" cstate="print">
             <a:extLst>
               <a:ext uri="{28A0092B-C50C-407E-A947-70E740481C1C}">
-                <a14:useLocalDpi xmlns="" xmlns:a14="http://schemas.microsoft.com/office/drawing/2010/main" val="0"/>
+                <a14:useLocalDpi xmlns:a14="http://schemas.microsoft.com/office/drawing/2010/main" xmlns="" val="0"/>
               </a:ext>
             </a:extLst>
           </a:blip>
@@ -11242,7 +11308,7 @@
           <p:cNvPr id="18" name="TextBox 17">
             <a:extLst>
               <a:ext uri="{FF2B5EF4-FFF2-40B4-BE49-F238E27FC236}">
-                <a16:creationId xmlns="" xmlns:a16="http://schemas.microsoft.com/office/drawing/2014/main" id="{9842D489-1E22-4BAC-A4E7-CB30C20D43FB}"/>
+                <a16:creationId xmlns:a16="http://schemas.microsoft.com/office/drawing/2014/main" xmlns="" id="{9842D489-1E22-4BAC-A4E7-CB30C20D43FB}"/>
               </a:ext>
             </a:extLst>
           </p:cNvPr>
@@ -11501,7 +11567,7 @@
           <p:cNvPr id="6" name="내용 개체 틀 2">
             <a:extLst>
               <a:ext uri="{FF2B5EF4-FFF2-40B4-BE49-F238E27FC236}">
-                <a16:creationId xmlns="" xmlns:a16="http://schemas.microsoft.com/office/drawing/2014/main" id="{FFC3785C-829D-410F-9E15-1D4D13DDE777}"/>
+                <a16:creationId xmlns:a16="http://schemas.microsoft.com/office/drawing/2014/main" xmlns="" id="{FFC3785C-829D-410F-9E15-1D4D13DDE777}"/>
               </a:ext>
             </a:extLst>
           </p:cNvPr>
@@ -11698,13 +11764,21 @@
     </p:spTree>
     <p:extLst>
       <p:ext uri="{BB962C8B-B14F-4D97-AF65-F5344CB8AC3E}">
-        <p14:creationId xmlns="" xmlns:p14="http://schemas.microsoft.com/office/powerpoint/2010/main" val="4102828601"/>
+        <p14:creationId xmlns:p14="http://schemas.microsoft.com/office/powerpoint/2010/main" xmlns="" val="4102828601"/>
       </p:ext>
     </p:extLst>
   </p:cSld>
   <p:clrMapOvr>
     <a:masterClrMapping/>
   </p:clrMapOvr>
+  <p:transition advTm="610"/>
+  <p:timing>
+    <p:tnLst>
+      <p:par>
+        <p:cTn id="1" dur="indefinite" restart="never" nodeType="tmRoot"/>
+      </p:par>
+    </p:tnLst>
+  </p:timing>
 </p:sld>
 </file>
 
@@ -12005,7 +12079,7 @@
           <p:cNvPr id="18" name="슬라이드 번호 개체 틀 17">
             <a:extLst>
               <a:ext uri="{FF2B5EF4-FFF2-40B4-BE49-F238E27FC236}">
-                <a16:creationId xmlns="" xmlns:a16="http://schemas.microsoft.com/office/drawing/2014/main" id="{80E74BDD-2288-4955-BCED-8609EFDE5904}"/>
+                <a16:creationId xmlns:a16="http://schemas.microsoft.com/office/drawing/2014/main" xmlns="" id="{80E74BDD-2288-4955-BCED-8609EFDE5904}"/>
               </a:ext>
             </a:extLst>
           </p:cNvPr>
@@ -12035,7 +12109,7 @@
           <p:cNvPr id="9" name="그림 8">
             <a:extLst>
               <a:ext uri="{FF2B5EF4-FFF2-40B4-BE49-F238E27FC236}">
-                <a16:creationId xmlns="" xmlns:a16="http://schemas.microsoft.com/office/drawing/2014/main" id="{11FCF7F9-5437-4E72-9F4B-34D00CE0DB07}"/>
+                <a16:creationId xmlns:a16="http://schemas.microsoft.com/office/drawing/2014/main" xmlns="" id="{11FCF7F9-5437-4E72-9F4B-34D00CE0DB07}"/>
               </a:ext>
             </a:extLst>
           </p:cNvPr>
@@ -12048,7 +12122,7 @@
           <a:blip r:embed="rId3" cstate="print">
             <a:extLst>
               <a:ext uri="{28A0092B-C50C-407E-A947-70E740481C1C}">
-                <a14:useLocalDpi xmlns="" xmlns:a14="http://schemas.microsoft.com/office/drawing/2010/main" val="0"/>
+                <a14:useLocalDpi xmlns:a14="http://schemas.microsoft.com/office/drawing/2010/main" xmlns="" val="0"/>
               </a:ext>
             </a:extLst>
           </a:blip>
@@ -12071,7 +12145,7 @@
           <p:cNvPr id="29" name="내용 개체 틀 2">
             <a:extLst>
               <a:ext uri="{FF2B5EF4-FFF2-40B4-BE49-F238E27FC236}">
-                <a16:creationId xmlns="" xmlns:a16="http://schemas.microsoft.com/office/drawing/2014/main" id="{B187CD99-2E2E-4492-9F30-5E90B33F090F}"/>
+                <a16:creationId xmlns:a16="http://schemas.microsoft.com/office/drawing/2014/main" xmlns="" id="{B187CD99-2E2E-4492-9F30-5E90B33F090F}"/>
               </a:ext>
             </a:extLst>
           </p:cNvPr>
@@ -12246,7 +12320,7 @@
           <p:cNvPr id="34" name="TextBox 33">
             <a:extLst>
               <a:ext uri="{FF2B5EF4-FFF2-40B4-BE49-F238E27FC236}">
-                <a16:creationId xmlns="" xmlns:a16="http://schemas.microsoft.com/office/drawing/2014/main" id="{8658CD88-E092-B642-99F7-6F2483B6DBCC}"/>
+                <a16:creationId xmlns:a16="http://schemas.microsoft.com/office/drawing/2014/main" xmlns="" id="{8658CD88-E092-B642-99F7-6F2483B6DBCC}"/>
               </a:ext>
             </a:extLst>
           </p:cNvPr>
@@ -12462,14 +12536,21 @@
     </p:spTree>
     <p:extLst>
       <p:ext uri="{BB962C8B-B14F-4D97-AF65-F5344CB8AC3E}">
-        <p14:creationId xmlns="" xmlns:p14="http://schemas.microsoft.com/office/powerpoint/2010/main" val="3613976409"/>
+        <p14:creationId xmlns:p14="http://schemas.microsoft.com/office/powerpoint/2010/main" xmlns="" val="3613976409"/>
       </p:ext>
     </p:extLst>
   </p:cSld>
   <p:clrMapOvr>
     <a:masterClrMapping/>
   </p:clrMapOvr>
-  <p:transition advTm="172"/>
+  <p:transition advTm="656"/>
+  <p:timing>
+    <p:tnLst>
+      <p:par>
+        <p:cTn id="1" dur="indefinite" restart="never" nodeType="tmRoot"/>
+      </p:par>
+    </p:tnLst>
+  </p:timing>
 </p:sld>
 </file>
 
@@ -12495,7 +12576,7 @@
           <p:cNvPr id="2" name="그룹 1">
             <a:extLst>
               <a:ext uri="{FF2B5EF4-FFF2-40B4-BE49-F238E27FC236}">
-                <a16:creationId xmlns="" xmlns:a16="http://schemas.microsoft.com/office/drawing/2014/main" id="{5257EF0A-2959-4F41-A0D7-5FED493DDF9F}"/>
+                <a16:creationId xmlns:a16="http://schemas.microsoft.com/office/drawing/2014/main" xmlns="" id="{5257EF0A-2959-4F41-A0D7-5FED493DDF9F}"/>
               </a:ext>
             </a:extLst>
           </p:cNvPr>
@@ -12515,7 +12596,7 @@
             <p:cNvPr id="9" name="TextBox 8">
               <a:extLst>
                 <a:ext uri="{FF2B5EF4-FFF2-40B4-BE49-F238E27FC236}">
-                  <a16:creationId xmlns="" xmlns:a16="http://schemas.microsoft.com/office/drawing/2014/main" id="{D3947105-6879-445D-B76B-D5EFC8256F29}"/>
+                  <a16:creationId xmlns:a16="http://schemas.microsoft.com/office/drawing/2014/main" xmlns="" id="{D3947105-6879-445D-B76B-D5EFC8256F29}"/>
                 </a:ext>
               </a:extLst>
             </p:cNvPr>
@@ -12576,7 +12657,7 @@
             <p:cNvPr id="14" name="TextBox 13">
               <a:extLst>
                 <a:ext uri="{FF2B5EF4-FFF2-40B4-BE49-F238E27FC236}">
-                  <a16:creationId xmlns="" xmlns:a16="http://schemas.microsoft.com/office/drawing/2014/main" id="{7A9521EC-3235-494C-93F6-585BC9C3B43E}"/>
+                  <a16:creationId xmlns:a16="http://schemas.microsoft.com/office/drawing/2014/main" xmlns="" id="{7A9521EC-3235-494C-93F6-585BC9C3B43E}"/>
                 </a:ext>
               </a:extLst>
             </p:cNvPr>
@@ -12622,7 +12703,7 @@
             <p:cNvPr id="25" name="그룹 24">
               <a:extLst>
                 <a:ext uri="{FF2B5EF4-FFF2-40B4-BE49-F238E27FC236}">
-                  <a16:creationId xmlns="" xmlns:a16="http://schemas.microsoft.com/office/drawing/2014/main" id="{1D2D99A6-C3A5-455C-8184-43DACE6D4904}"/>
+                  <a16:creationId xmlns:a16="http://schemas.microsoft.com/office/drawing/2014/main" xmlns="" id="{1D2D99A6-C3A5-455C-8184-43DACE6D4904}"/>
                 </a:ext>
               </a:extLst>
             </p:cNvPr>
@@ -12642,7 +12723,7 @@
               <p:cNvPr id="5" name="직선 연결선 4">
                 <a:extLst>
                   <a:ext uri="{FF2B5EF4-FFF2-40B4-BE49-F238E27FC236}">
-                    <a16:creationId xmlns="" xmlns:a16="http://schemas.microsoft.com/office/drawing/2014/main" id="{F3920279-48F9-42E9-8322-AE444CC499BF}"/>
+                    <a16:creationId xmlns:a16="http://schemas.microsoft.com/office/drawing/2014/main" xmlns="" id="{F3920279-48F9-42E9-8322-AE444CC499BF}"/>
                   </a:ext>
                 </a:extLst>
               </p:cNvPr>
@@ -12691,7 +12772,7 @@
               <p:cNvPr id="7" name="직사각형 6">
                 <a:extLst>
                   <a:ext uri="{FF2B5EF4-FFF2-40B4-BE49-F238E27FC236}">
-                    <a16:creationId xmlns="" xmlns:a16="http://schemas.microsoft.com/office/drawing/2014/main" id="{54FF5575-BD81-49D6-BF4F-81749C4C22BA}"/>
+                    <a16:creationId xmlns:a16="http://schemas.microsoft.com/office/drawing/2014/main" xmlns="" id="{54FF5575-BD81-49D6-BF4F-81749C4C22BA}"/>
                   </a:ext>
                 </a:extLst>
               </p:cNvPr>
@@ -12750,7 +12831,7 @@
           <p:cNvPr id="11" name="그림 10">
             <a:extLst>
               <a:ext uri="{FF2B5EF4-FFF2-40B4-BE49-F238E27FC236}">
-                <a16:creationId xmlns="" xmlns:a16="http://schemas.microsoft.com/office/drawing/2014/main" id="{63FA9DA7-248E-41A7-8482-CB899B3407EF}"/>
+                <a16:creationId xmlns:a16="http://schemas.microsoft.com/office/drawing/2014/main" xmlns="" id="{63FA9DA7-248E-41A7-8482-CB899B3407EF}"/>
               </a:ext>
             </a:extLst>
           </p:cNvPr>
@@ -12763,7 +12844,7 @@
           <a:blip r:embed="rId3" cstate="print">
             <a:extLst>
               <a:ext uri="{28A0092B-C50C-407E-A947-70E740481C1C}">
-                <a14:useLocalDpi xmlns="" xmlns:a14="http://schemas.microsoft.com/office/drawing/2010/main" val="0"/>
+                <a14:useLocalDpi xmlns:a14="http://schemas.microsoft.com/office/drawing/2010/main" xmlns="" val="0"/>
               </a:ext>
             </a:extLst>
           </a:blip>
@@ -12786,7 +12867,7 @@
           <p:cNvPr id="4" name="슬라이드 번호 개체 틀 3">
             <a:extLst>
               <a:ext uri="{FF2B5EF4-FFF2-40B4-BE49-F238E27FC236}">
-                <a16:creationId xmlns="" xmlns:a16="http://schemas.microsoft.com/office/drawing/2014/main" id="{FB59B2E2-F81E-40F9-BBEB-890FC880B656}"/>
+                <a16:creationId xmlns:a16="http://schemas.microsoft.com/office/drawing/2014/main" xmlns="" id="{FB59B2E2-F81E-40F9-BBEB-890FC880B656}"/>
               </a:ext>
             </a:extLst>
           </p:cNvPr>
@@ -12814,14 +12895,21 @@
     </p:spTree>
     <p:extLst>
       <p:ext uri="{BB962C8B-B14F-4D97-AF65-F5344CB8AC3E}">
-        <p14:creationId xmlns="" xmlns:p14="http://schemas.microsoft.com/office/powerpoint/2010/main" val="936368125"/>
+        <p14:creationId xmlns:p14="http://schemas.microsoft.com/office/powerpoint/2010/main" xmlns="" val="936368125"/>
       </p:ext>
     </p:extLst>
   </p:cSld>
   <p:clrMapOvr>
     <a:masterClrMapping/>
   </p:clrMapOvr>
-  <p:transition advTm="250"/>
+  <p:transition advTm="172"/>
+  <p:timing>
+    <p:tnLst>
+      <p:par>
+        <p:cTn id="1" dur="indefinite" restart="never" nodeType="tmRoot"/>
+      </p:par>
+    </p:tnLst>
+  </p:timing>
 </p:sld>
 </file>
 
@@ -12847,7 +12935,7 @@
           <p:cNvPr id="2" name="그룹 1">
             <a:extLst>
               <a:ext uri="{FF2B5EF4-FFF2-40B4-BE49-F238E27FC236}">
-                <a16:creationId xmlns="" xmlns:a16="http://schemas.microsoft.com/office/drawing/2014/main" id="{5257EF0A-2959-4F41-A0D7-5FED493DDF9F}"/>
+                <a16:creationId xmlns:a16="http://schemas.microsoft.com/office/drawing/2014/main" xmlns="" id="{5257EF0A-2959-4F41-A0D7-5FED493DDF9F}"/>
               </a:ext>
             </a:extLst>
           </p:cNvPr>
@@ -12867,7 +12955,7 @@
             <p:cNvPr id="9" name="TextBox 8">
               <a:extLst>
                 <a:ext uri="{FF2B5EF4-FFF2-40B4-BE49-F238E27FC236}">
-                  <a16:creationId xmlns="" xmlns:a16="http://schemas.microsoft.com/office/drawing/2014/main" id="{D3947105-6879-445D-B76B-D5EFC8256F29}"/>
+                  <a16:creationId xmlns:a16="http://schemas.microsoft.com/office/drawing/2014/main" xmlns="" id="{D3947105-6879-445D-B76B-D5EFC8256F29}"/>
                 </a:ext>
               </a:extLst>
             </p:cNvPr>
@@ -12942,7 +13030,7 @@
             <p:cNvPr id="14" name="TextBox 13">
               <a:extLst>
                 <a:ext uri="{FF2B5EF4-FFF2-40B4-BE49-F238E27FC236}">
-                  <a16:creationId xmlns="" xmlns:a16="http://schemas.microsoft.com/office/drawing/2014/main" id="{7A9521EC-3235-494C-93F6-585BC9C3B43E}"/>
+                  <a16:creationId xmlns:a16="http://schemas.microsoft.com/office/drawing/2014/main" xmlns="" id="{7A9521EC-3235-494C-93F6-585BC9C3B43E}"/>
                 </a:ext>
               </a:extLst>
             </p:cNvPr>
@@ -12988,7 +13076,7 @@
             <p:cNvPr id="3" name="그룹 24">
               <a:extLst>
                 <a:ext uri="{FF2B5EF4-FFF2-40B4-BE49-F238E27FC236}">
-                  <a16:creationId xmlns="" xmlns:a16="http://schemas.microsoft.com/office/drawing/2014/main" id="{1D2D99A6-C3A5-455C-8184-43DACE6D4904}"/>
+                  <a16:creationId xmlns:a16="http://schemas.microsoft.com/office/drawing/2014/main" xmlns="" id="{1D2D99A6-C3A5-455C-8184-43DACE6D4904}"/>
                 </a:ext>
               </a:extLst>
             </p:cNvPr>
@@ -13008,7 +13096,7 @@
               <p:cNvPr id="5" name="직선 연결선 4">
                 <a:extLst>
                   <a:ext uri="{FF2B5EF4-FFF2-40B4-BE49-F238E27FC236}">
-                    <a16:creationId xmlns="" xmlns:a16="http://schemas.microsoft.com/office/drawing/2014/main" id="{F3920279-48F9-42E9-8322-AE444CC499BF}"/>
+                    <a16:creationId xmlns:a16="http://schemas.microsoft.com/office/drawing/2014/main" xmlns="" id="{F3920279-48F9-42E9-8322-AE444CC499BF}"/>
                   </a:ext>
                 </a:extLst>
               </p:cNvPr>
@@ -13057,7 +13145,7 @@
               <p:cNvPr id="7" name="직사각형 6">
                 <a:extLst>
                   <a:ext uri="{FF2B5EF4-FFF2-40B4-BE49-F238E27FC236}">
-                    <a16:creationId xmlns="" xmlns:a16="http://schemas.microsoft.com/office/drawing/2014/main" id="{54FF5575-BD81-49D6-BF4F-81749C4C22BA}"/>
+                    <a16:creationId xmlns:a16="http://schemas.microsoft.com/office/drawing/2014/main" xmlns="" id="{54FF5575-BD81-49D6-BF4F-81749C4C22BA}"/>
                   </a:ext>
                 </a:extLst>
               </p:cNvPr>
@@ -13116,7 +13204,7 @@
           <p:cNvPr id="11" name="그림 10">
             <a:extLst>
               <a:ext uri="{FF2B5EF4-FFF2-40B4-BE49-F238E27FC236}">
-                <a16:creationId xmlns="" xmlns:a16="http://schemas.microsoft.com/office/drawing/2014/main" id="{63FA9DA7-248E-41A7-8482-CB899B3407EF}"/>
+                <a16:creationId xmlns:a16="http://schemas.microsoft.com/office/drawing/2014/main" xmlns="" id="{63FA9DA7-248E-41A7-8482-CB899B3407EF}"/>
               </a:ext>
             </a:extLst>
           </p:cNvPr>
@@ -13129,7 +13217,7 @@
           <a:blip r:embed="rId3" cstate="print">
             <a:extLst>
               <a:ext uri="{28A0092B-C50C-407E-A947-70E740481C1C}">
-                <a14:useLocalDpi xmlns="" xmlns:a14="http://schemas.microsoft.com/office/drawing/2010/main" val="0"/>
+                <a14:useLocalDpi xmlns:a14="http://schemas.microsoft.com/office/drawing/2010/main" xmlns="" val="0"/>
               </a:ext>
             </a:extLst>
           </a:blip>
@@ -13152,7 +13240,7 @@
           <p:cNvPr id="4" name="슬라이드 번호 개체 틀 3">
             <a:extLst>
               <a:ext uri="{FF2B5EF4-FFF2-40B4-BE49-F238E27FC236}">
-                <a16:creationId xmlns="" xmlns:a16="http://schemas.microsoft.com/office/drawing/2014/main" id="{FB59B2E2-F81E-40F9-BBEB-890FC880B656}"/>
+                <a16:creationId xmlns:a16="http://schemas.microsoft.com/office/drawing/2014/main" xmlns="" id="{FB59B2E2-F81E-40F9-BBEB-890FC880B656}"/>
               </a:ext>
             </a:extLst>
           </p:cNvPr>
@@ -13180,14 +13268,21 @@
     </p:spTree>
     <p:extLst>
       <p:ext uri="{BB962C8B-B14F-4D97-AF65-F5344CB8AC3E}">
-        <p14:creationId xmlns="" xmlns:p14="http://schemas.microsoft.com/office/powerpoint/2010/main" val="1740037321"/>
+        <p14:creationId xmlns:p14="http://schemas.microsoft.com/office/powerpoint/2010/main" xmlns="" val="1740037321"/>
       </p:ext>
     </p:extLst>
   </p:cSld>
   <p:clrMapOvr>
     <a:masterClrMapping/>
   </p:clrMapOvr>
-  <p:transition advTm="297"/>
+  <p:transition advTm="1078"/>
+  <p:timing>
+    <p:tnLst>
+      <p:par>
+        <p:cTn id="1" dur="indefinite" restart="never" nodeType="tmRoot"/>
+      </p:par>
+    </p:tnLst>
+  </p:timing>
 </p:sld>
 </file>
 
@@ -13362,7 +13457,7 @@
           <p:cNvPr id="12" name="내용 개체 틀 2">
             <a:extLst>
               <a:ext uri="{FF2B5EF4-FFF2-40B4-BE49-F238E27FC236}">
-                <a16:creationId xmlns="" xmlns:a16="http://schemas.microsoft.com/office/drawing/2014/main" id="{13D30B6A-3884-4EF5-8CB1-6EEB784CF809}"/>
+                <a16:creationId xmlns:a16="http://schemas.microsoft.com/office/drawing/2014/main" xmlns="" id="{13D30B6A-3884-4EF5-8CB1-6EEB784CF809}"/>
               </a:ext>
             </a:extLst>
           </p:cNvPr>
@@ -13541,7 +13636,7 @@
           <p:cNvPr id="40" name="내용 개체 틀 2">
             <a:extLst>
               <a:ext uri="{FF2B5EF4-FFF2-40B4-BE49-F238E27FC236}">
-                <a16:creationId xmlns="" xmlns:a16="http://schemas.microsoft.com/office/drawing/2014/main" id="{B187CD99-2E2E-4492-9F30-5E90B33F090F}"/>
+                <a16:creationId xmlns:a16="http://schemas.microsoft.com/office/drawing/2014/main" xmlns="" id="{B187CD99-2E2E-4492-9F30-5E90B33F090F}"/>
               </a:ext>
             </a:extLst>
           </p:cNvPr>
@@ -13719,7 +13814,7 @@
           <p:cNvPr id="23" name="내용 개체 틀 2">
             <a:extLst>
               <a:ext uri="{FF2B5EF4-FFF2-40B4-BE49-F238E27FC236}">
-                <a16:creationId xmlns="" xmlns:a16="http://schemas.microsoft.com/office/drawing/2014/main" id="{13D30B6A-3884-4EF5-8CB1-6EEB784CF809}"/>
+                <a16:creationId xmlns:a16="http://schemas.microsoft.com/office/drawing/2014/main" xmlns="" id="{13D30B6A-3884-4EF5-8CB1-6EEB784CF809}"/>
               </a:ext>
             </a:extLst>
           </p:cNvPr>
@@ -13945,7 +14040,7 @@
           <p:cNvPr id="15" name="내용 개체 틀 2">
             <a:extLst>
               <a:ext uri="{FF2B5EF4-FFF2-40B4-BE49-F238E27FC236}">
-                <a16:creationId xmlns="" xmlns:a16="http://schemas.microsoft.com/office/drawing/2014/main" id="{13D30B6A-3884-4EF5-8CB1-6EEB784CF809}"/>
+                <a16:creationId xmlns:a16="http://schemas.microsoft.com/office/drawing/2014/main" xmlns="" id="{13D30B6A-3884-4EF5-8CB1-6EEB784CF809}"/>
               </a:ext>
             </a:extLst>
           </p:cNvPr>
@@ -14192,7 +14287,7 @@
           <p:cNvPr id="18" name="내용 개체 틀 2">
             <a:extLst>
               <a:ext uri="{FF2B5EF4-FFF2-40B4-BE49-F238E27FC236}">
-                <a16:creationId xmlns="" xmlns:a16="http://schemas.microsoft.com/office/drawing/2014/main" id="{13D30B6A-3884-4EF5-8CB1-6EEB784CF809}"/>
+                <a16:creationId xmlns:a16="http://schemas.microsoft.com/office/drawing/2014/main" xmlns="" id="{13D30B6A-3884-4EF5-8CB1-6EEB784CF809}"/>
               </a:ext>
             </a:extLst>
           </p:cNvPr>
@@ -14635,14 +14730,21 @@
     </p:spTree>
     <p:extLst>
       <p:ext uri="{BB962C8B-B14F-4D97-AF65-F5344CB8AC3E}">
-        <p14:creationId xmlns="" xmlns:p14="http://schemas.microsoft.com/office/powerpoint/2010/main" val="1918500630"/>
+        <p14:creationId xmlns:p14="http://schemas.microsoft.com/office/powerpoint/2010/main" xmlns="" val="1918500630"/>
       </p:ext>
     </p:extLst>
   </p:cSld>
   <p:clrMapOvr>
     <a:masterClrMapping/>
   </p:clrMapOvr>
-  <p:transition advTm="0"/>
+  <p:transition advTm="57000"/>
+  <p:timing>
+    <p:tnLst>
+      <p:par>
+        <p:cTn id="1" dur="indefinite" restart="never" nodeType="tmRoot"/>
+      </p:par>
+    </p:tnLst>
+  </p:timing>
 </p:sld>
 </file>
 
@@ -14764,7 +14866,7 @@
           <p:cNvPr id="12" name="내용 개체 틀 2">
             <a:extLst>
               <a:ext uri="{FF2B5EF4-FFF2-40B4-BE49-F238E27FC236}">
-                <a16:creationId xmlns="" xmlns:a16="http://schemas.microsoft.com/office/drawing/2014/main" id="{13D30B6A-3884-4EF5-8CB1-6EEB784CF809}"/>
+                <a16:creationId xmlns:a16="http://schemas.microsoft.com/office/drawing/2014/main" xmlns="" id="{13D30B6A-3884-4EF5-8CB1-6EEB784CF809}"/>
               </a:ext>
             </a:extLst>
           </p:cNvPr>
@@ -14943,7 +15045,7 @@
           <p:cNvPr id="40" name="내용 개체 틀 2">
             <a:extLst>
               <a:ext uri="{FF2B5EF4-FFF2-40B4-BE49-F238E27FC236}">
-                <a16:creationId xmlns="" xmlns:a16="http://schemas.microsoft.com/office/drawing/2014/main" id="{B187CD99-2E2E-4492-9F30-5E90B33F090F}"/>
+                <a16:creationId xmlns:a16="http://schemas.microsoft.com/office/drawing/2014/main" xmlns="" id="{B187CD99-2E2E-4492-9F30-5E90B33F090F}"/>
               </a:ext>
             </a:extLst>
           </p:cNvPr>
@@ -15147,7 +15249,7 @@
           <p:cNvPr id="17" name="내용 개체 틀 2">
             <a:extLst>
               <a:ext uri="{FF2B5EF4-FFF2-40B4-BE49-F238E27FC236}">
-                <a16:creationId xmlns="" xmlns:a16="http://schemas.microsoft.com/office/drawing/2014/main" id="{13D30B6A-3884-4EF5-8CB1-6EEB784CF809}"/>
+                <a16:creationId xmlns:a16="http://schemas.microsoft.com/office/drawing/2014/main" xmlns="" id="{13D30B6A-3884-4EF5-8CB1-6EEB784CF809}"/>
               </a:ext>
             </a:extLst>
           </p:cNvPr>
@@ -15338,7 +15440,7 @@
           <p:cNvPr id="23" name="내용 개체 틀 2">
             <a:extLst>
               <a:ext uri="{FF2B5EF4-FFF2-40B4-BE49-F238E27FC236}">
-                <a16:creationId xmlns="" xmlns:a16="http://schemas.microsoft.com/office/drawing/2014/main" id="{13D30B6A-3884-4EF5-8CB1-6EEB784CF809}"/>
+                <a16:creationId xmlns:a16="http://schemas.microsoft.com/office/drawing/2014/main" xmlns="" id="{13D30B6A-3884-4EF5-8CB1-6EEB784CF809}"/>
               </a:ext>
             </a:extLst>
           </p:cNvPr>
@@ -15654,7 +15756,7 @@
           <p:cNvPr id="25" name="내용 개체 틀 2">
             <a:extLst>
               <a:ext uri="{FF2B5EF4-FFF2-40B4-BE49-F238E27FC236}">
-                <a16:creationId xmlns="" xmlns:a16="http://schemas.microsoft.com/office/drawing/2014/main" id="{13D30B6A-3884-4EF5-8CB1-6EEB784CF809}"/>
+                <a16:creationId xmlns:a16="http://schemas.microsoft.com/office/drawing/2014/main" xmlns="" id="{13D30B6A-3884-4EF5-8CB1-6EEB784CF809}"/>
               </a:ext>
             </a:extLst>
           </p:cNvPr>
@@ -15869,14 +15971,21 @@
     </p:spTree>
     <p:extLst>
       <p:ext uri="{BB962C8B-B14F-4D97-AF65-F5344CB8AC3E}">
-        <p14:creationId xmlns="" xmlns:p14="http://schemas.microsoft.com/office/powerpoint/2010/main" val="2976696481"/>
+        <p14:creationId xmlns:p14="http://schemas.microsoft.com/office/powerpoint/2010/main" xmlns="" val="2976696481"/>
       </p:ext>
     </p:extLst>
   </p:cSld>
   <p:clrMapOvr>
     <a:masterClrMapping/>
   </p:clrMapOvr>
-  <p:transition advTm="0"/>
+  <p:transition advTm="31015"/>
+  <p:timing>
+    <p:tnLst>
+      <p:par>
+        <p:cTn id="1" dur="indefinite" restart="never" nodeType="tmRoot"/>
+      </p:par>
+    </p:tnLst>
+  </p:timing>
 </p:sld>
 </file>
 
@@ -15998,7 +16107,7 @@
           <p:cNvPr id="12" name="내용 개체 틀 2">
             <a:extLst>
               <a:ext uri="{FF2B5EF4-FFF2-40B4-BE49-F238E27FC236}">
-                <a16:creationId xmlns="" xmlns:a16="http://schemas.microsoft.com/office/drawing/2014/main" id="{13D30B6A-3884-4EF5-8CB1-6EEB784CF809}"/>
+                <a16:creationId xmlns:a16="http://schemas.microsoft.com/office/drawing/2014/main" xmlns="" id="{13D30B6A-3884-4EF5-8CB1-6EEB784CF809}"/>
               </a:ext>
             </a:extLst>
           </p:cNvPr>
@@ -16177,7 +16286,7 @@
           <p:cNvPr id="40" name="내용 개체 틀 2">
             <a:extLst>
               <a:ext uri="{FF2B5EF4-FFF2-40B4-BE49-F238E27FC236}">
-                <a16:creationId xmlns="" xmlns:a16="http://schemas.microsoft.com/office/drawing/2014/main" id="{B187CD99-2E2E-4492-9F30-5E90B33F090F}"/>
+                <a16:creationId xmlns:a16="http://schemas.microsoft.com/office/drawing/2014/main" xmlns="" id="{B187CD99-2E2E-4492-9F30-5E90B33F090F}"/>
               </a:ext>
             </a:extLst>
           </p:cNvPr>
@@ -16355,7 +16464,7 @@
           <p:cNvPr id="17" name="내용 개체 틀 2">
             <a:extLst>
               <a:ext uri="{FF2B5EF4-FFF2-40B4-BE49-F238E27FC236}">
-                <a16:creationId xmlns="" xmlns:a16="http://schemas.microsoft.com/office/drawing/2014/main" id="{13D30B6A-3884-4EF5-8CB1-6EEB784CF809}"/>
+                <a16:creationId xmlns:a16="http://schemas.microsoft.com/office/drawing/2014/main" xmlns="" id="{13D30B6A-3884-4EF5-8CB1-6EEB784CF809}"/>
               </a:ext>
             </a:extLst>
           </p:cNvPr>
@@ -16546,7 +16655,7 @@
           <p:cNvPr id="23" name="내용 개체 틀 2">
             <a:extLst>
               <a:ext uri="{FF2B5EF4-FFF2-40B4-BE49-F238E27FC236}">
-                <a16:creationId xmlns="" xmlns:a16="http://schemas.microsoft.com/office/drawing/2014/main" id="{13D30B6A-3884-4EF5-8CB1-6EEB784CF809}"/>
+                <a16:creationId xmlns:a16="http://schemas.microsoft.com/office/drawing/2014/main" xmlns="" id="{13D30B6A-3884-4EF5-8CB1-6EEB784CF809}"/>
               </a:ext>
             </a:extLst>
           </p:cNvPr>
@@ -16888,7 +16997,7 @@
           <p:cNvPr id="19" name="내용 개체 틀 2">
             <a:extLst>
               <a:ext uri="{FF2B5EF4-FFF2-40B4-BE49-F238E27FC236}">
-                <a16:creationId xmlns="" xmlns:a16="http://schemas.microsoft.com/office/drawing/2014/main" id="{13D30B6A-3884-4EF5-8CB1-6EEB784CF809}"/>
+                <a16:creationId xmlns:a16="http://schemas.microsoft.com/office/drawing/2014/main" xmlns="" id="{13D30B6A-3884-4EF5-8CB1-6EEB784CF809}"/>
               </a:ext>
             </a:extLst>
           </p:cNvPr>
@@ -17103,14 +17212,21 @@
     </p:spTree>
     <p:extLst>
       <p:ext uri="{BB962C8B-B14F-4D97-AF65-F5344CB8AC3E}">
-        <p14:creationId xmlns="" xmlns:p14="http://schemas.microsoft.com/office/powerpoint/2010/main" val="3511316152"/>
+        <p14:creationId xmlns:p14="http://schemas.microsoft.com/office/powerpoint/2010/main" xmlns="" val="3511316152"/>
       </p:ext>
     </p:extLst>
   </p:cSld>
   <p:clrMapOvr>
     <a:masterClrMapping/>
   </p:clrMapOvr>
-  <p:transition advTm="0"/>
+  <p:transition advTm="19031"/>
+  <p:timing>
+    <p:tnLst>
+      <p:par>
+        <p:cTn id="1" dur="indefinite" restart="never" nodeType="tmRoot"/>
+      </p:par>
+    </p:tnLst>
+  </p:timing>
 </p:sld>
 </file>
 
@@ -17232,7 +17348,7 @@
           <p:cNvPr id="12" name="내용 개체 틀 2">
             <a:extLst>
               <a:ext uri="{FF2B5EF4-FFF2-40B4-BE49-F238E27FC236}">
-                <a16:creationId xmlns="" xmlns:a16="http://schemas.microsoft.com/office/drawing/2014/main" id="{13D30B6A-3884-4EF5-8CB1-6EEB784CF809}"/>
+                <a16:creationId xmlns:a16="http://schemas.microsoft.com/office/drawing/2014/main" xmlns="" id="{13D30B6A-3884-4EF5-8CB1-6EEB784CF809}"/>
               </a:ext>
             </a:extLst>
           </p:cNvPr>
@@ -17411,7 +17527,7 @@
           <p:cNvPr id="40" name="내용 개체 틀 2">
             <a:extLst>
               <a:ext uri="{FF2B5EF4-FFF2-40B4-BE49-F238E27FC236}">
-                <a16:creationId xmlns="" xmlns:a16="http://schemas.microsoft.com/office/drawing/2014/main" id="{B187CD99-2E2E-4492-9F30-5E90B33F090F}"/>
+                <a16:creationId xmlns:a16="http://schemas.microsoft.com/office/drawing/2014/main" xmlns="" id="{B187CD99-2E2E-4492-9F30-5E90B33F090F}"/>
               </a:ext>
             </a:extLst>
           </p:cNvPr>
@@ -17589,7 +17705,7 @@
           <p:cNvPr id="17" name="내용 개체 틀 2">
             <a:extLst>
               <a:ext uri="{FF2B5EF4-FFF2-40B4-BE49-F238E27FC236}">
-                <a16:creationId xmlns="" xmlns:a16="http://schemas.microsoft.com/office/drawing/2014/main" id="{13D30B6A-3884-4EF5-8CB1-6EEB784CF809}"/>
+                <a16:creationId xmlns:a16="http://schemas.microsoft.com/office/drawing/2014/main" xmlns="" id="{13D30B6A-3884-4EF5-8CB1-6EEB784CF809}"/>
               </a:ext>
             </a:extLst>
           </p:cNvPr>
@@ -17844,7 +17960,7 @@
           <p:cNvPr id="23" name="내용 개체 틀 2">
             <a:extLst>
               <a:ext uri="{FF2B5EF4-FFF2-40B4-BE49-F238E27FC236}">
-                <a16:creationId xmlns="" xmlns:a16="http://schemas.microsoft.com/office/drawing/2014/main" id="{13D30B6A-3884-4EF5-8CB1-6EEB784CF809}"/>
+                <a16:creationId xmlns:a16="http://schemas.microsoft.com/office/drawing/2014/main" xmlns="" id="{13D30B6A-3884-4EF5-8CB1-6EEB784CF809}"/>
               </a:ext>
             </a:extLst>
           </p:cNvPr>
@@ -18158,14 +18274,21 @@
     </p:spTree>
     <p:extLst>
       <p:ext uri="{BB962C8B-B14F-4D97-AF65-F5344CB8AC3E}">
-        <p14:creationId xmlns="" xmlns:p14="http://schemas.microsoft.com/office/powerpoint/2010/main" val="1671861537"/>
+        <p14:creationId xmlns:p14="http://schemas.microsoft.com/office/powerpoint/2010/main" xmlns="" val="1671861537"/>
       </p:ext>
     </p:extLst>
   </p:cSld>
   <p:clrMapOvr>
     <a:masterClrMapping/>
   </p:clrMapOvr>
-  <p:transition advTm="0"/>
+  <p:transition advTm="16"/>
+  <p:timing>
+    <p:tnLst>
+      <p:par>
+        <p:cTn id="1" dur="indefinite" restart="never" nodeType="tmRoot"/>
+      </p:par>
+    </p:tnLst>
+  </p:timing>
 </p:sld>
 </file>
 
@@ -18274,7 +18397,7 @@
           <p:cNvPr id="12" name="내용 개체 틀 2">
             <a:extLst>
               <a:ext uri="{FF2B5EF4-FFF2-40B4-BE49-F238E27FC236}">
-                <a16:creationId xmlns="" xmlns:a16="http://schemas.microsoft.com/office/drawing/2014/main" id="{13D30B6A-3884-4EF5-8CB1-6EEB784CF809}"/>
+                <a16:creationId xmlns:a16="http://schemas.microsoft.com/office/drawing/2014/main" xmlns="" id="{13D30B6A-3884-4EF5-8CB1-6EEB784CF809}"/>
               </a:ext>
             </a:extLst>
           </p:cNvPr>
@@ -18453,7 +18576,7 @@
           <p:cNvPr id="40" name="내용 개체 틀 2">
             <a:extLst>
               <a:ext uri="{FF2B5EF4-FFF2-40B4-BE49-F238E27FC236}">
-                <a16:creationId xmlns="" xmlns:a16="http://schemas.microsoft.com/office/drawing/2014/main" id="{B187CD99-2E2E-4492-9F30-5E90B33F090F}"/>
+                <a16:creationId xmlns:a16="http://schemas.microsoft.com/office/drawing/2014/main" xmlns="" id="{B187CD99-2E2E-4492-9F30-5E90B33F090F}"/>
               </a:ext>
             </a:extLst>
           </p:cNvPr>
@@ -18724,7 +18847,7 @@
           <p:cNvPr id="24" name="내용 개체 틀 2">
             <a:extLst>
               <a:ext uri="{FF2B5EF4-FFF2-40B4-BE49-F238E27FC236}">
-                <a16:creationId xmlns="" xmlns:a16="http://schemas.microsoft.com/office/drawing/2014/main" id="{13D30B6A-3884-4EF5-8CB1-6EEB784CF809}"/>
+                <a16:creationId xmlns:a16="http://schemas.microsoft.com/office/drawing/2014/main" xmlns="" id="{13D30B6A-3884-4EF5-8CB1-6EEB784CF809}"/>
               </a:ext>
             </a:extLst>
           </p:cNvPr>
@@ -18915,7 +19038,7 @@
           <p:cNvPr id="25" name="내용 개체 틀 2">
             <a:extLst>
               <a:ext uri="{FF2B5EF4-FFF2-40B4-BE49-F238E27FC236}">
-                <a16:creationId xmlns="" xmlns:a16="http://schemas.microsoft.com/office/drawing/2014/main" id="{13D30B6A-3884-4EF5-8CB1-6EEB784CF809}"/>
+                <a16:creationId xmlns:a16="http://schemas.microsoft.com/office/drawing/2014/main" xmlns="" id="{13D30B6A-3884-4EF5-8CB1-6EEB784CF809}"/>
               </a:ext>
             </a:extLst>
           </p:cNvPr>
@@ -19106,7 +19229,7 @@
           <p:cNvPr id="26" name="내용 개체 틀 2">
             <a:extLst>
               <a:ext uri="{FF2B5EF4-FFF2-40B4-BE49-F238E27FC236}">
-                <a16:creationId xmlns="" xmlns:a16="http://schemas.microsoft.com/office/drawing/2014/main" id="{13D30B6A-3884-4EF5-8CB1-6EEB784CF809}"/>
+                <a16:creationId xmlns:a16="http://schemas.microsoft.com/office/drawing/2014/main" xmlns="" id="{13D30B6A-3884-4EF5-8CB1-6EEB784CF809}"/>
               </a:ext>
             </a:extLst>
           </p:cNvPr>
@@ -19317,7 +19440,7 @@
           <p:cNvPr id="28" name="내용 개체 틀 2">
             <a:extLst>
               <a:ext uri="{FF2B5EF4-FFF2-40B4-BE49-F238E27FC236}">
-                <a16:creationId xmlns="" xmlns:a16="http://schemas.microsoft.com/office/drawing/2014/main" id="{13D30B6A-3884-4EF5-8CB1-6EEB784CF809}"/>
+                <a16:creationId xmlns:a16="http://schemas.microsoft.com/office/drawing/2014/main" xmlns="" id="{13D30B6A-3884-4EF5-8CB1-6EEB784CF809}"/>
               </a:ext>
             </a:extLst>
           </p:cNvPr>
@@ -19506,14 +19629,21 @@
     </p:spTree>
     <p:extLst>
       <p:ext uri="{BB962C8B-B14F-4D97-AF65-F5344CB8AC3E}">
-        <p14:creationId xmlns="" xmlns:p14="http://schemas.microsoft.com/office/powerpoint/2010/main" val="1316285315"/>
+        <p14:creationId xmlns:p14="http://schemas.microsoft.com/office/powerpoint/2010/main" xmlns="" val="1316285315"/>
       </p:ext>
     </p:extLst>
   </p:cSld>
   <p:clrMapOvr>
     <a:masterClrMapping/>
   </p:clrMapOvr>
-  <p:transition advTm="59250"/>
+  <p:transition advTm="218"/>
+  <p:timing>
+    <p:tnLst>
+      <p:par>
+        <p:cTn id="1" dur="indefinite" restart="never" nodeType="tmRoot"/>
+      </p:par>
+    </p:tnLst>
+  </p:timing>
 </p:sld>
 </file>
 
@@ -19622,7 +19752,7 @@
           <p:cNvPr id="12" name="내용 개체 틀 2">
             <a:extLst>
               <a:ext uri="{FF2B5EF4-FFF2-40B4-BE49-F238E27FC236}">
-                <a16:creationId xmlns="" xmlns:a16="http://schemas.microsoft.com/office/drawing/2014/main" id="{13D30B6A-3884-4EF5-8CB1-6EEB784CF809}"/>
+                <a16:creationId xmlns:a16="http://schemas.microsoft.com/office/drawing/2014/main" xmlns="" id="{13D30B6A-3884-4EF5-8CB1-6EEB784CF809}"/>
               </a:ext>
             </a:extLst>
           </p:cNvPr>
@@ -19801,7 +19931,7 @@
           <p:cNvPr id="40" name="내용 개체 틀 2">
             <a:extLst>
               <a:ext uri="{FF2B5EF4-FFF2-40B4-BE49-F238E27FC236}">
-                <a16:creationId xmlns="" xmlns:a16="http://schemas.microsoft.com/office/drawing/2014/main" id="{B187CD99-2E2E-4492-9F30-5E90B33F090F}"/>
+                <a16:creationId xmlns:a16="http://schemas.microsoft.com/office/drawing/2014/main" xmlns="" id="{B187CD99-2E2E-4492-9F30-5E90B33F090F}"/>
               </a:ext>
             </a:extLst>
           </p:cNvPr>
@@ -19979,7 +20109,7 @@
           <p:cNvPr id="28" name="내용 개체 틀 2">
             <a:extLst>
               <a:ext uri="{FF2B5EF4-FFF2-40B4-BE49-F238E27FC236}">
-                <a16:creationId xmlns="" xmlns:a16="http://schemas.microsoft.com/office/drawing/2014/main" id="{13D30B6A-3884-4EF5-8CB1-6EEB784CF809}"/>
+                <a16:creationId xmlns:a16="http://schemas.microsoft.com/office/drawing/2014/main" xmlns="" id="{13D30B6A-3884-4EF5-8CB1-6EEB784CF809}"/>
               </a:ext>
             </a:extLst>
           </p:cNvPr>
@@ -20274,14 +20404,21 @@
     </p:spTree>
     <p:extLst>
       <p:ext uri="{BB962C8B-B14F-4D97-AF65-F5344CB8AC3E}">
-        <p14:creationId xmlns="" xmlns:p14="http://schemas.microsoft.com/office/powerpoint/2010/main" val="2574522626"/>
+        <p14:creationId xmlns:p14="http://schemas.microsoft.com/office/powerpoint/2010/main" xmlns="" val="2574522626"/>
       </p:ext>
     </p:extLst>
   </p:cSld>
   <p:clrMapOvr>
     <a:masterClrMapping/>
   </p:clrMapOvr>
-  <p:transition advTm="59250"/>
+  <p:transition advTm="438"/>
+  <p:timing>
+    <p:tnLst>
+      <p:par>
+        <p:cTn id="1" dur="indefinite" restart="never" nodeType="tmRoot"/>
+      </p:par>
+    </p:tnLst>
+  </p:timing>
 </p:sld>
 </file>
 
@@ -20397,7 +20534,7 @@
           <p:cNvPr id="18" name="슬라이드 번호 개체 틀 17">
             <a:extLst>
               <a:ext uri="{FF2B5EF4-FFF2-40B4-BE49-F238E27FC236}">
-                <a16:creationId xmlns="" xmlns:a16="http://schemas.microsoft.com/office/drawing/2014/main" id="{80E74BDD-2288-4955-BCED-8609EFDE5904}"/>
+                <a16:creationId xmlns:a16="http://schemas.microsoft.com/office/drawing/2014/main" xmlns="" id="{80E74BDD-2288-4955-BCED-8609EFDE5904}"/>
               </a:ext>
             </a:extLst>
           </p:cNvPr>
@@ -20427,7 +20564,7 @@
           <p:cNvPr id="10" name="내용 개체 틀 2">
             <a:extLst>
               <a:ext uri="{FF2B5EF4-FFF2-40B4-BE49-F238E27FC236}">
-                <a16:creationId xmlns="" xmlns:a16="http://schemas.microsoft.com/office/drawing/2014/main" id="{13D30B6A-3884-4EF5-8CB1-6EEB784CF809}"/>
+                <a16:creationId xmlns:a16="http://schemas.microsoft.com/office/drawing/2014/main" xmlns="" id="{13D30B6A-3884-4EF5-8CB1-6EEB784CF809}"/>
               </a:ext>
             </a:extLst>
           </p:cNvPr>
@@ -20696,17 +20833,7 @@
                 <a:latin typeface="210 옴니고딕OTF 030" panose="02020503020101020101" pitchFamily="18" charset="-127"/>
                 <a:ea typeface="210 옴니고딕OTF 030" panose="02020503020101020101" pitchFamily="18" charset="-127"/>
               </a:rPr>
-              <a:t>실험 결과를 </a:t>
-            </a:r>
-            <a:r>
-              <a:rPr lang="ko-KR" altLang="en-US" sz="2000" b="1" smtClean="0">
-                <a:solidFill>
-                  <a:srgbClr val="3D3C3E"/>
-                </a:solidFill>
-                <a:latin typeface="210 옴니고딕OTF 030" panose="02020503020101020101" pitchFamily="18" charset="-127"/>
-                <a:ea typeface="210 옴니고딕OTF 030" panose="02020503020101020101" pitchFamily="18" charset="-127"/>
-              </a:rPr>
-              <a:t>박스그래프로 </a:t>
+              <a:t>실험 결과를 박스그래프로 </a:t>
             </a:r>
             <a:r>
               <a:rPr lang="ko-KR" altLang="en-US" sz="2000" b="1" dirty="0" smtClean="0">
@@ -20828,7 +20955,7 @@
           <p:cNvPr id="6" name="그림 5">
             <a:extLst>
               <a:ext uri="{FF2B5EF4-FFF2-40B4-BE49-F238E27FC236}">
-                <a16:creationId xmlns="" xmlns:a16="http://schemas.microsoft.com/office/drawing/2014/main" id="{389A2DA3-1E19-4FE9-B835-98AEDFC77F8F}"/>
+                <a16:creationId xmlns:a16="http://schemas.microsoft.com/office/drawing/2014/main" xmlns="" id="{389A2DA3-1E19-4FE9-B835-98AEDFC77F8F}"/>
               </a:ext>
             </a:extLst>
           </p:cNvPr>
@@ -20841,7 +20968,7 @@
           <a:blip r:embed="rId3" cstate="print">
             <a:extLst>
               <a:ext uri="{28A0092B-C50C-407E-A947-70E740481C1C}">
-                <a14:useLocalDpi xmlns="" xmlns:a14="http://schemas.microsoft.com/office/drawing/2010/main" val="0"/>
+                <a14:useLocalDpi xmlns:a14="http://schemas.microsoft.com/office/drawing/2010/main" xmlns="" val="0"/>
               </a:ext>
             </a:extLst>
           </a:blip>
@@ -20864,7 +20991,7 @@
           <p:cNvPr id="11" name="내용 개체 틀 2">
             <a:extLst>
               <a:ext uri="{FF2B5EF4-FFF2-40B4-BE49-F238E27FC236}">
-                <a16:creationId xmlns="" xmlns:a16="http://schemas.microsoft.com/office/drawing/2014/main" id="{13D30B6A-3884-4EF5-8CB1-6EEB784CF809}"/>
+                <a16:creationId xmlns:a16="http://schemas.microsoft.com/office/drawing/2014/main" xmlns="" id="{13D30B6A-3884-4EF5-8CB1-6EEB784CF809}"/>
               </a:ext>
             </a:extLst>
           </p:cNvPr>
@@ -21043,14 +21170,21 @@
     </p:spTree>
     <p:extLst>
       <p:ext uri="{BB962C8B-B14F-4D97-AF65-F5344CB8AC3E}">
-        <p14:creationId xmlns="" xmlns:p14="http://schemas.microsoft.com/office/powerpoint/2010/main" val="23271494"/>
+        <p14:creationId xmlns:p14="http://schemas.microsoft.com/office/powerpoint/2010/main" xmlns="" val="23271494"/>
       </p:ext>
     </p:extLst>
   </p:cSld>
   <p:clrMapOvr>
     <a:masterClrMapping/>
   </p:clrMapOvr>
-  <p:transition advTm="139578"/>
+  <p:transition advTm="15609"/>
+  <p:timing>
+    <p:tnLst>
+      <p:par>
+        <p:cTn id="1" dur="indefinite" restart="never" nodeType="tmRoot"/>
+      </p:par>
+    </p:tnLst>
+  </p:timing>
 </p:sld>
 </file>
 
@@ -21149,7 +21283,7 @@
           <p:cNvPr id="9" name="그림 8">
             <a:extLst>
               <a:ext uri="{FF2B5EF4-FFF2-40B4-BE49-F238E27FC236}">
-                <a16:creationId xmlns="" xmlns:a16="http://schemas.microsoft.com/office/drawing/2014/main" id="{572F4400-072C-4B3D-9BAD-9DA70D8AB449}"/>
+                <a16:creationId xmlns:a16="http://schemas.microsoft.com/office/drawing/2014/main" xmlns="" id="{572F4400-072C-4B3D-9BAD-9DA70D8AB449}"/>
               </a:ext>
             </a:extLst>
           </p:cNvPr>
@@ -21162,7 +21296,7 @@
           <a:blip r:embed="rId3" cstate="print">
             <a:extLst>
               <a:ext uri="{28A0092B-C50C-407E-A947-70E740481C1C}">
-                <a14:useLocalDpi xmlns="" xmlns:a14="http://schemas.microsoft.com/office/drawing/2010/main" val="0"/>
+                <a14:useLocalDpi xmlns:a14="http://schemas.microsoft.com/office/drawing/2010/main" xmlns="" val="0"/>
               </a:ext>
             </a:extLst>
           </a:blip>
@@ -21185,7 +21319,7 @@
           <p:cNvPr id="3" name="슬라이드 번호 개체 틀 2">
             <a:extLst>
               <a:ext uri="{FF2B5EF4-FFF2-40B4-BE49-F238E27FC236}">
-                <a16:creationId xmlns="" xmlns:a16="http://schemas.microsoft.com/office/drawing/2014/main" id="{FABADD19-C0F6-4381-8CB8-B7CBCD7EE44B}"/>
+                <a16:creationId xmlns:a16="http://schemas.microsoft.com/office/drawing/2014/main" xmlns="" id="{FABADD19-C0F6-4381-8CB8-B7CBCD7EE44B}"/>
               </a:ext>
             </a:extLst>
           </p:cNvPr>
@@ -21215,6 +21349,14 @@
   <p:clrMapOvr>
     <a:masterClrMapping/>
   </p:clrMapOvr>
+  <p:transition advTm="281"/>
+  <p:timing>
+    <p:tnLst>
+      <p:par>
+        <p:cTn id="1" dur="indefinite" restart="never" nodeType="tmRoot"/>
+      </p:par>
+    </p:tnLst>
+  </p:timing>
 </p:sld>
 </file>
 
@@ -21588,7 +21730,7 @@
           <p:cNvPr id="14" name="그림 13">
             <a:extLst>
               <a:ext uri="{FF2B5EF4-FFF2-40B4-BE49-F238E27FC236}">
-                <a16:creationId xmlns="" xmlns:a16="http://schemas.microsoft.com/office/drawing/2014/main" id="{517914D3-CB5E-4C68-8EB4-A506F910E523}"/>
+                <a16:creationId xmlns:a16="http://schemas.microsoft.com/office/drawing/2014/main" xmlns="" id="{517914D3-CB5E-4C68-8EB4-A506F910E523}"/>
               </a:ext>
             </a:extLst>
           </p:cNvPr>
@@ -21601,7 +21743,7 @@
           <a:blip r:embed="rId2" cstate="print">
             <a:extLst>
               <a:ext uri="{28A0092B-C50C-407E-A947-70E740481C1C}">
-                <a14:useLocalDpi xmlns="" xmlns:a14="http://schemas.microsoft.com/office/drawing/2010/main" val="0"/>
+                <a14:useLocalDpi xmlns:a14="http://schemas.microsoft.com/office/drawing/2010/main" xmlns="" val="0"/>
               </a:ext>
             </a:extLst>
           </a:blip>
@@ -21624,7 +21766,7 @@
           <p:cNvPr id="2" name="슬라이드 번호 개체 틀 1">
             <a:extLst>
               <a:ext uri="{FF2B5EF4-FFF2-40B4-BE49-F238E27FC236}">
-                <a16:creationId xmlns="" xmlns:a16="http://schemas.microsoft.com/office/drawing/2014/main" id="{5666C08D-42EF-4B68-9411-371F179260E5}"/>
+                <a16:creationId xmlns:a16="http://schemas.microsoft.com/office/drawing/2014/main" xmlns="" id="{5666C08D-42EF-4B68-9411-371F179260E5}"/>
               </a:ext>
             </a:extLst>
           </p:cNvPr>
@@ -21654,7 +21796,14 @@
   <p:clrMapOvr>
     <a:masterClrMapping/>
   </p:clrMapOvr>
-  <p:transition advTm="297"/>
+  <p:transition advTm="343"/>
+  <p:timing>
+    <p:tnLst>
+      <p:par>
+        <p:cTn id="1" dur="indefinite" restart="never" nodeType="tmRoot"/>
+      </p:par>
+    </p:tnLst>
+  </p:timing>
 </p:sld>
 </file>
 
@@ -21976,7 +22125,7 @@
           <p:cNvPr id="13" name="그림 12">
             <a:extLst>
               <a:ext uri="{FF2B5EF4-FFF2-40B4-BE49-F238E27FC236}">
-                <a16:creationId xmlns="" xmlns:a16="http://schemas.microsoft.com/office/drawing/2014/main" id="{8E687D0E-D682-4D3D-91FF-764C2693AA77}"/>
+                <a16:creationId xmlns:a16="http://schemas.microsoft.com/office/drawing/2014/main" xmlns="" id="{8E687D0E-D682-4D3D-91FF-764C2693AA77}"/>
               </a:ext>
             </a:extLst>
           </p:cNvPr>
@@ -21989,7 +22138,7 @@
           <a:blip r:embed="rId3" cstate="print">
             <a:extLst>
               <a:ext uri="{28A0092B-C50C-407E-A947-70E740481C1C}">
-                <a14:useLocalDpi xmlns="" xmlns:a14="http://schemas.microsoft.com/office/drawing/2010/main" val="0"/>
+                <a14:useLocalDpi xmlns:a14="http://schemas.microsoft.com/office/drawing/2010/main" xmlns="" val="0"/>
               </a:ext>
             </a:extLst>
           </a:blip>
@@ -22012,7 +22161,7 @@
           <p:cNvPr id="18" name="슬라이드 번호 개체 틀 17">
             <a:extLst>
               <a:ext uri="{FF2B5EF4-FFF2-40B4-BE49-F238E27FC236}">
-                <a16:creationId xmlns="" xmlns:a16="http://schemas.microsoft.com/office/drawing/2014/main" id="{80E74BDD-2288-4955-BCED-8609EFDE5904}"/>
+                <a16:creationId xmlns:a16="http://schemas.microsoft.com/office/drawing/2014/main" xmlns="" id="{80E74BDD-2288-4955-BCED-8609EFDE5904}"/>
               </a:ext>
             </a:extLst>
           </p:cNvPr>
@@ -22042,7 +22191,7 @@
           <p:cNvPr id="15" name="TextBox 14">
             <a:extLst>
               <a:ext uri="{FF2B5EF4-FFF2-40B4-BE49-F238E27FC236}">
-                <a16:creationId xmlns="" xmlns:a16="http://schemas.microsoft.com/office/drawing/2014/main" id="{BA52E600-9723-4A84-9198-6268B3E350AD}"/>
+                <a16:creationId xmlns:a16="http://schemas.microsoft.com/office/drawing/2014/main" xmlns="" id="{BA52E600-9723-4A84-9198-6268B3E350AD}"/>
               </a:ext>
             </a:extLst>
           </p:cNvPr>
@@ -22380,14 +22529,21 @@
     </p:spTree>
     <p:extLst>
       <p:ext uri="{BB962C8B-B14F-4D97-AF65-F5344CB8AC3E}">
-        <p14:creationId xmlns="" xmlns:p14="http://schemas.microsoft.com/office/powerpoint/2010/main" val="4290538741"/>
+        <p14:creationId xmlns:p14="http://schemas.microsoft.com/office/powerpoint/2010/main" xmlns="" val="4290538741"/>
       </p:ext>
     </p:extLst>
   </p:cSld>
   <p:clrMapOvr>
     <a:masterClrMapping/>
   </p:clrMapOvr>
-  <p:transition advTm="203"/>
+  <p:transition advTm="32"/>
+  <p:timing>
+    <p:tnLst>
+      <p:par>
+        <p:cTn id="1" dur="indefinite" restart="never" nodeType="tmRoot"/>
+      </p:par>
+    </p:tnLst>
+  </p:timing>
 </p:sld>
 </file>
 
@@ -22719,7 +22875,7 @@
           <p:cNvPr id="18" name="슬라이드 번호 개체 틀 17">
             <a:extLst>
               <a:ext uri="{FF2B5EF4-FFF2-40B4-BE49-F238E27FC236}">
-                <a16:creationId xmlns="" xmlns:a16="http://schemas.microsoft.com/office/drawing/2014/main" id="{80E74BDD-2288-4955-BCED-8609EFDE5904}"/>
+                <a16:creationId xmlns:a16="http://schemas.microsoft.com/office/drawing/2014/main" xmlns="" id="{80E74BDD-2288-4955-BCED-8609EFDE5904}"/>
               </a:ext>
             </a:extLst>
           </p:cNvPr>
@@ -22749,7 +22905,7 @@
           <p:cNvPr id="14" name="TextBox 13">
             <a:extLst>
               <a:ext uri="{FF2B5EF4-FFF2-40B4-BE49-F238E27FC236}">
-                <a16:creationId xmlns="" xmlns:a16="http://schemas.microsoft.com/office/drawing/2014/main" id="{DB276981-8BA0-4418-81B5-ADEBA6662352}"/>
+                <a16:creationId xmlns:a16="http://schemas.microsoft.com/office/drawing/2014/main" xmlns="" id="{DB276981-8BA0-4418-81B5-ADEBA6662352}"/>
               </a:ext>
             </a:extLst>
           </p:cNvPr>
@@ -22901,7 +23057,7 @@
           <p:cNvPr id="3" name="그림 2">
             <a:extLst>
               <a:ext uri="{FF2B5EF4-FFF2-40B4-BE49-F238E27FC236}">
-                <a16:creationId xmlns="" xmlns:a16="http://schemas.microsoft.com/office/drawing/2014/main" id="{9A3B23C1-451E-4285-8637-D470B40D0E14}"/>
+                <a16:creationId xmlns:a16="http://schemas.microsoft.com/office/drawing/2014/main" xmlns="" id="{9A3B23C1-451E-4285-8637-D470B40D0E14}"/>
               </a:ext>
             </a:extLst>
           </p:cNvPr>
@@ -22914,7 +23070,7 @@
           <a:blip r:embed="rId3" cstate="print">
             <a:extLst>
               <a:ext uri="{28A0092B-C50C-407E-A947-70E740481C1C}">
-                <a14:useLocalDpi xmlns="" xmlns:a14="http://schemas.microsoft.com/office/drawing/2010/main" val="0"/>
+                <a14:useLocalDpi xmlns:a14="http://schemas.microsoft.com/office/drawing/2010/main" xmlns="" val="0"/>
               </a:ext>
             </a:extLst>
           </a:blip>
@@ -22937,7 +23093,7 @@
           <p:cNvPr id="5" name="그림 4">
             <a:extLst>
               <a:ext uri="{FF2B5EF4-FFF2-40B4-BE49-F238E27FC236}">
-                <a16:creationId xmlns="" xmlns:a16="http://schemas.microsoft.com/office/drawing/2014/main" id="{C0CE7B1F-34C2-48F0-B739-EF38E0F67598}"/>
+                <a16:creationId xmlns:a16="http://schemas.microsoft.com/office/drawing/2014/main" xmlns="" id="{C0CE7B1F-34C2-48F0-B739-EF38E0F67598}"/>
               </a:ext>
             </a:extLst>
           </p:cNvPr>
@@ -22950,7 +23106,7 @@
           <a:blip r:embed="rId4" cstate="print">
             <a:extLst>
               <a:ext uri="{28A0092B-C50C-407E-A947-70E740481C1C}">
-                <a14:useLocalDpi xmlns="" xmlns:a14="http://schemas.microsoft.com/office/drawing/2010/main" val="0"/>
+                <a14:useLocalDpi xmlns:a14="http://schemas.microsoft.com/office/drawing/2010/main" xmlns="" val="0"/>
               </a:ext>
             </a:extLst>
           </a:blip>
@@ -22973,7 +23129,7 @@
           <p:cNvPr id="26" name="화살표: 오른쪽 25">
             <a:extLst>
               <a:ext uri="{FF2B5EF4-FFF2-40B4-BE49-F238E27FC236}">
-                <a16:creationId xmlns="" xmlns:a16="http://schemas.microsoft.com/office/drawing/2014/main" id="{6704720B-2E0D-45BA-9DD2-2DFA63B93050}"/>
+                <a16:creationId xmlns:a16="http://schemas.microsoft.com/office/drawing/2014/main" xmlns="" id="{6704720B-2E0D-45BA-9DD2-2DFA63B93050}"/>
               </a:ext>
             </a:extLst>
           </p:cNvPr>
@@ -23019,7 +23175,7 @@
           <p:cNvPr id="27" name="TextBox 26">
             <a:extLst>
               <a:ext uri="{FF2B5EF4-FFF2-40B4-BE49-F238E27FC236}">
-                <a16:creationId xmlns="" xmlns:a16="http://schemas.microsoft.com/office/drawing/2014/main" id="{A6D2B5AD-8C74-47DB-83B2-127048802D85}"/>
+                <a16:creationId xmlns:a16="http://schemas.microsoft.com/office/drawing/2014/main" xmlns="" id="{A6D2B5AD-8C74-47DB-83B2-127048802D85}"/>
               </a:ext>
             </a:extLst>
           </p:cNvPr>
@@ -23105,7 +23261,7 @@
           <p:cNvPr id="13" name="그림 12">
             <a:extLst>
               <a:ext uri="{FF2B5EF4-FFF2-40B4-BE49-F238E27FC236}">
-                <a16:creationId xmlns="" xmlns:a16="http://schemas.microsoft.com/office/drawing/2014/main" id="{E6C445B7-E1CA-4BA7-99C6-D73C21232A19}"/>
+                <a16:creationId xmlns:a16="http://schemas.microsoft.com/office/drawing/2014/main" xmlns="" id="{E6C445B7-E1CA-4BA7-99C6-D73C21232A19}"/>
               </a:ext>
             </a:extLst>
           </p:cNvPr>
@@ -23135,7 +23291,7 @@
           <p:cNvPr id="15" name="그림 14">
             <a:extLst>
               <a:ext uri="{FF2B5EF4-FFF2-40B4-BE49-F238E27FC236}">
-                <a16:creationId xmlns="" xmlns:a16="http://schemas.microsoft.com/office/drawing/2014/main" id="{3DBA7BE2-8399-42FA-AD2F-D21D0CFCAEDD}"/>
+                <a16:creationId xmlns:a16="http://schemas.microsoft.com/office/drawing/2014/main" xmlns="" id="{3DBA7BE2-8399-42FA-AD2F-D21D0CFCAEDD}"/>
               </a:ext>
             </a:extLst>
           </p:cNvPr>
@@ -23163,14 +23319,21 @@
     </p:spTree>
     <p:extLst>
       <p:ext uri="{BB962C8B-B14F-4D97-AF65-F5344CB8AC3E}">
-        <p14:creationId xmlns="" xmlns:p14="http://schemas.microsoft.com/office/powerpoint/2010/main" val="1613743081"/>
+        <p14:creationId xmlns:p14="http://schemas.microsoft.com/office/powerpoint/2010/main" xmlns="" val="1613743081"/>
       </p:ext>
     </p:extLst>
   </p:cSld>
   <p:clrMapOvr>
     <a:masterClrMapping/>
   </p:clrMapOvr>
-  <p:transition advTm="203"/>
+  <p:transition advTm="250"/>
+  <p:timing>
+    <p:tnLst>
+      <p:par>
+        <p:cTn id="1" dur="indefinite" restart="never" nodeType="tmRoot"/>
+      </p:par>
+    </p:tnLst>
+  </p:timing>
 </p:sld>
 </file>
 
@@ -23502,7 +23665,7 @@
           <p:cNvPr id="18" name="슬라이드 번호 개체 틀 17">
             <a:extLst>
               <a:ext uri="{FF2B5EF4-FFF2-40B4-BE49-F238E27FC236}">
-                <a16:creationId xmlns="" xmlns:a16="http://schemas.microsoft.com/office/drawing/2014/main" id="{80E74BDD-2288-4955-BCED-8609EFDE5904}"/>
+                <a16:creationId xmlns:a16="http://schemas.microsoft.com/office/drawing/2014/main" xmlns="" id="{80E74BDD-2288-4955-BCED-8609EFDE5904}"/>
               </a:ext>
             </a:extLst>
           </p:cNvPr>
@@ -23532,7 +23695,7 @@
           <p:cNvPr id="14" name="TextBox 13">
             <a:extLst>
               <a:ext uri="{FF2B5EF4-FFF2-40B4-BE49-F238E27FC236}">
-                <a16:creationId xmlns="" xmlns:a16="http://schemas.microsoft.com/office/drawing/2014/main" id="{DB276981-8BA0-4418-81B5-ADEBA6662352}"/>
+                <a16:creationId xmlns:a16="http://schemas.microsoft.com/office/drawing/2014/main" xmlns="" id="{DB276981-8BA0-4418-81B5-ADEBA6662352}"/>
               </a:ext>
             </a:extLst>
           </p:cNvPr>
@@ -23684,7 +23847,7 @@
           <p:cNvPr id="32" name="그룹 31">
             <a:extLst>
               <a:ext uri="{FF2B5EF4-FFF2-40B4-BE49-F238E27FC236}">
-                <a16:creationId xmlns="" xmlns:a16="http://schemas.microsoft.com/office/drawing/2014/main" id="{A79EC976-9FCA-41B6-8E19-B970D719FC36}"/>
+                <a16:creationId xmlns:a16="http://schemas.microsoft.com/office/drawing/2014/main" xmlns="" id="{A79EC976-9FCA-41B6-8E19-B970D719FC36}"/>
               </a:ext>
             </a:extLst>
           </p:cNvPr>
@@ -23704,7 +23867,7 @@
             <p:cNvPr id="6" name="그림 5" descr="벽, 실내, 바닥, 건물이(가) 표시된 사진&#10;&#10;자동 생성된 설명">
               <a:extLst>
                 <a:ext uri="{FF2B5EF4-FFF2-40B4-BE49-F238E27FC236}">
-                  <a16:creationId xmlns="" xmlns:a16="http://schemas.microsoft.com/office/drawing/2014/main" id="{FA0DB887-10EC-4112-B894-D724EAD76396}"/>
+                  <a16:creationId xmlns:a16="http://schemas.microsoft.com/office/drawing/2014/main" xmlns="" id="{FA0DB887-10EC-4112-B894-D724EAD76396}"/>
                 </a:ext>
               </a:extLst>
             </p:cNvPr>
@@ -23717,7 +23880,7 @@
             <a:blip r:embed="rId3" cstate="print">
               <a:extLst>
                 <a:ext uri="{28A0092B-C50C-407E-A947-70E740481C1C}">
-                  <a14:useLocalDpi xmlns="" xmlns:a14="http://schemas.microsoft.com/office/drawing/2010/main" val="0"/>
+                  <a14:useLocalDpi xmlns:a14="http://schemas.microsoft.com/office/drawing/2010/main" xmlns="" val="0"/>
                 </a:ext>
               </a:extLst>
             </a:blip>
@@ -23740,7 +23903,7 @@
             <p:cNvPr id="9" name="그림 8" descr="밤하늘이(가) 표시된 사진&#10;&#10;자동 생성된 설명">
               <a:extLst>
                 <a:ext uri="{FF2B5EF4-FFF2-40B4-BE49-F238E27FC236}">
-                  <a16:creationId xmlns="" xmlns:a16="http://schemas.microsoft.com/office/drawing/2014/main" id="{A7BD7114-B1D1-4CA6-8C41-E407B6322F0A}"/>
+                  <a16:creationId xmlns:a16="http://schemas.microsoft.com/office/drawing/2014/main" xmlns="" id="{A7BD7114-B1D1-4CA6-8C41-E407B6322F0A}"/>
                 </a:ext>
               </a:extLst>
             </p:cNvPr>
@@ -23753,7 +23916,7 @@
             <a:blip r:embed="rId4" cstate="print">
               <a:extLst>
                 <a:ext uri="{28A0092B-C50C-407E-A947-70E740481C1C}">
-                  <a14:useLocalDpi xmlns="" xmlns:a14="http://schemas.microsoft.com/office/drawing/2010/main" val="0"/>
+                  <a14:useLocalDpi xmlns:a14="http://schemas.microsoft.com/office/drawing/2010/main" xmlns="" val="0"/>
                 </a:ext>
               </a:extLst>
             </a:blip>
@@ -23776,7 +23939,7 @@
             <p:cNvPr id="11" name="그림 10" descr="평면, 항공기이(가) 표시된 사진&#10;&#10;자동 생성된 설명">
               <a:extLst>
                 <a:ext uri="{FF2B5EF4-FFF2-40B4-BE49-F238E27FC236}">
-                  <a16:creationId xmlns="" xmlns:a16="http://schemas.microsoft.com/office/drawing/2014/main" id="{932F1ECB-6AED-45F6-AB72-72A14F60F02A}"/>
+                  <a16:creationId xmlns:a16="http://schemas.microsoft.com/office/drawing/2014/main" xmlns="" id="{932F1ECB-6AED-45F6-AB72-72A14F60F02A}"/>
                 </a:ext>
               </a:extLst>
             </p:cNvPr>
@@ -23789,7 +23952,7 @@
             <a:blip r:embed="rId5" cstate="print">
               <a:extLst>
                 <a:ext uri="{28A0092B-C50C-407E-A947-70E740481C1C}">
-                  <a14:useLocalDpi xmlns="" xmlns:a14="http://schemas.microsoft.com/office/drawing/2010/main" val="0"/>
+                  <a14:useLocalDpi xmlns:a14="http://schemas.microsoft.com/office/drawing/2010/main" xmlns="" val="0"/>
                 </a:ext>
               </a:extLst>
             </a:blip>
@@ -23812,7 +23975,7 @@
             <p:cNvPr id="19" name="그림 18" descr="어두운, 밤이(가) 표시된 사진&#10;&#10;자동 생성된 설명">
               <a:extLst>
                 <a:ext uri="{FF2B5EF4-FFF2-40B4-BE49-F238E27FC236}">
-                  <a16:creationId xmlns="" xmlns:a16="http://schemas.microsoft.com/office/drawing/2014/main" id="{84A92FAD-6E57-441B-8BFF-F9E8D0A3F75F}"/>
+                  <a16:creationId xmlns:a16="http://schemas.microsoft.com/office/drawing/2014/main" xmlns="" id="{84A92FAD-6E57-441B-8BFF-F9E8D0A3F75F}"/>
                 </a:ext>
               </a:extLst>
             </p:cNvPr>
@@ -23825,7 +23988,7 @@
             <a:blip r:embed="rId6" cstate="print">
               <a:extLst>
                 <a:ext uri="{28A0092B-C50C-407E-A947-70E740481C1C}">
-                  <a14:useLocalDpi xmlns="" xmlns:a14="http://schemas.microsoft.com/office/drawing/2010/main" val="0"/>
+                  <a14:useLocalDpi xmlns:a14="http://schemas.microsoft.com/office/drawing/2010/main" xmlns="" val="0"/>
                 </a:ext>
               </a:extLst>
             </a:blip>
@@ -23848,7 +24011,7 @@
             <p:cNvPr id="22" name="그림 21" descr="실내, 벽, 천장, 현미경이(가) 표시된 사진&#10;&#10;자동 생성된 설명">
               <a:extLst>
                 <a:ext uri="{FF2B5EF4-FFF2-40B4-BE49-F238E27FC236}">
-                  <a16:creationId xmlns="" xmlns:a16="http://schemas.microsoft.com/office/drawing/2014/main" id="{C614A45E-5091-4685-8C18-1CAF549F9538}"/>
+                  <a16:creationId xmlns:a16="http://schemas.microsoft.com/office/drawing/2014/main" xmlns="" id="{C614A45E-5091-4685-8C18-1CAF549F9538}"/>
                 </a:ext>
               </a:extLst>
             </p:cNvPr>
@@ -23861,7 +24024,7 @@
             <a:blip r:embed="rId7" cstate="print">
               <a:extLst>
                 <a:ext uri="{28A0092B-C50C-407E-A947-70E740481C1C}">
-                  <a14:useLocalDpi xmlns="" xmlns:a14="http://schemas.microsoft.com/office/drawing/2010/main" val="0"/>
+                  <a14:useLocalDpi xmlns:a14="http://schemas.microsoft.com/office/drawing/2010/main" xmlns="" val="0"/>
                 </a:ext>
               </a:extLst>
             </a:blip>
@@ -23884,7 +24047,7 @@
             <p:cNvPr id="24" name="그림 23" descr="실루엣, 밤하늘이(가) 표시된 사진&#10;&#10;자동 생성된 설명">
               <a:extLst>
                 <a:ext uri="{FF2B5EF4-FFF2-40B4-BE49-F238E27FC236}">
-                  <a16:creationId xmlns="" xmlns:a16="http://schemas.microsoft.com/office/drawing/2014/main" id="{AB508934-FE60-4D12-BB7F-B5762714CE58}"/>
+                  <a16:creationId xmlns:a16="http://schemas.microsoft.com/office/drawing/2014/main" xmlns="" id="{AB508934-FE60-4D12-BB7F-B5762714CE58}"/>
                 </a:ext>
               </a:extLst>
             </p:cNvPr>
@@ -23897,7 +24060,7 @@
             <a:blip r:embed="rId8" cstate="print">
               <a:extLst>
                 <a:ext uri="{28A0092B-C50C-407E-A947-70E740481C1C}">
-                  <a14:useLocalDpi xmlns="" xmlns:a14="http://schemas.microsoft.com/office/drawing/2010/main" val="0"/>
+                  <a14:useLocalDpi xmlns:a14="http://schemas.microsoft.com/office/drawing/2010/main" xmlns="" val="0"/>
                 </a:ext>
               </a:extLst>
             </a:blip>
@@ -23920,7 +24083,7 @@
             <p:cNvPr id="28" name="그림 27" descr="실내, 벽, 욕실, 더러운이(가) 표시된 사진&#10;&#10;자동 생성된 설명">
               <a:extLst>
                 <a:ext uri="{FF2B5EF4-FFF2-40B4-BE49-F238E27FC236}">
-                  <a16:creationId xmlns="" xmlns:a16="http://schemas.microsoft.com/office/drawing/2014/main" id="{DA0128CB-9669-4CC9-AF88-1E91744A8B9E}"/>
+                  <a16:creationId xmlns:a16="http://schemas.microsoft.com/office/drawing/2014/main" xmlns="" id="{DA0128CB-9669-4CC9-AF88-1E91744A8B9E}"/>
                 </a:ext>
               </a:extLst>
             </p:cNvPr>
@@ -23933,7 +24096,7 @@
             <a:blip r:embed="rId9" cstate="print">
               <a:extLst>
                 <a:ext uri="{28A0092B-C50C-407E-A947-70E740481C1C}">
-                  <a14:useLocalDpi xmlns="" xmlns:a14="http://schemas.microsoft.com/office/drawing/2010/main" val="0"/>
+                  <a14:useLocalDpi xmlns:a14="http://schemas.microsoft.com/office/drawing/2010/main" xmlns="" val="0"/>
                 </a:ext>
               </a:extLst>
             </a:blip>
@@ -23956,7 +24119,7 @@
             <p:cNvPr id="30" name="그림 29" descr="어두운, 밤하늘이(가) 표시된 사진&#10;&#10;자동 생성된 설명">
               <a:extLst>
                 <a:ext uri="{FF2B5EF4-FFF2-40B4-BE49-F238E27FC236}">
-                  <a16:creationId xmlns="" xmlns:a16="http://schemas.microsoft.com/office/drawing/2014/main" id="{013C2AA9-BE83-4F2F-94BD-91ECD7F5702E}"/>
+                  <a16:creationId xmlns:a16="http://schemas.microsoft.com/office/drawing/2014/main" xmlns="" id="{013C2AA9-BE83-4F2F-94BD-91ECD7F5702E}"/>
                 </a:ext>
               </a:extLst>
             </p:cNvPr>
@@ -23969,7 +24132,7 @@
             <a:blip r:embed="rId10" cstate="print">
               <a:extLst>
                 <a:ext uri="{28A0092B-C50C-407E-A947-70E740481C1C}">
-                  <a14:useLocalDpi xmlns="" xmlns:a14="http://schemas.microsoft.com/office/drawing/2010/main" val="0"/>
+                  <a14:useLocalDpi xmlns:a14="http://schemas.microsoft.com/office/drawing/2010/main" xmlns="" val="0"/>
                 </a:ext>
               </a:extLst>
             </a:blip>
@@ -23993,7 +24156,7 @@
           <p:cNvPr id="33" name="TextBox 32">
             <a:extLst>
               <a:ext uri="{FF2B5EF4-FFF2-40B4-BE49-F238E27FC236}">
-                <a16:creationId xmlns="" xmlns:a16="http://schemas.microsoft.com/office/drawing/2014/main" id="{D88AF2F7-F1CA-4124-8CC9-F8981CDD8416}"/>
+                <a16:creationId xmlns:a16="http://schemas.microsoft.com/office/drawing/2014/main" xmlns="" id="{D88AF2F7-F1CA-4124-8CC9-F8981CDD8416}"/>
               </a:ext>
             </a:extLst>
           </p:cNvPr>
@@ -24080,14 +24243,21 @@
     </p:spTree>
     <p:extLst>
       <p:ext uri="{BB962C8B-B14F-4D97-AF65-F5344CB8AC3E}">
-        <p14:creationId xmlns="" xmlns:p14="http://schemas.microsoft.com/office/powerpoint/2010/main" val="2241324857"/>
+        <p14:creationId xmlns:p14="http://schemas.microsoft.com/office/powerpoint/2010/main" xmlns="" val="2241324857"/>
       </p:ext>
     </p:extLst>
   </p:cSld>
   <p:clrMapOvr>
     <a:masterClrMapping/>
   </p:clrMapOvr>
-  <p:transition advTm="203"/>
+  <p:transition advTm="562"/>
+  <p:timing>
+    <p:tnLst>
+      <p:par>
+        <p:cTn id="1" dur="indefinite" restart="never" nodeType="tmRoot"/>
+      </p:par>
+    </p:tnLst>
+  </p:timing>
 </p:sld>
 </file>
 
@@ -24419,7 +24589,7 @@
           <p:cNvPr id="13" name="그림 12">
             <a:extLst>
               <a:ext uri="{FF2B5EF4-FFF2-40B4-BE49-F238E27FC236}">
-                <a16:creationId xmlns="" xmlns:a16="http://schemas.microsoft.com/office/drawing/2014/main" id="{8E687D0E-D682-4D3D-91FF-764C2693AA77}"/>
+                <a16:creationId xmlns:a16="http://schemas.microsoft.com/office/drawing/2014/main" xmlns="" id="{8E687D0E-D682-4D3D-91FF-764C2693AA77}"/>
               </a:ext>
             </a:extLst>
           </p:cNvPr>
@@ -24432,7 +24602,7 @@
           <a:blip r:embed="rId3" cstate="print">
             <a:extLst>
               <a:ext uri="{28A0092B-C50C-407E-A947-70E740481C1C}">
-                <a14:useLocalDpi xmlns="" xmlns:a14="http://schemas.microsoft.com/office/drawing/2010/main" val="0"/>
+                <a14:useLocalDpi xmlns:a14="http://schemas.microsoft.com/office/drawing/2010/main" xmlns="" val="0"/>
               </a:ext>
             </a:extLst>
           </a:blip>
@@ -24455,7 +24625,7 @@
           <p:cNvPr id="18" name="슬라이드 번호 개체 틀 17">
             <a:extLst>
               <a:ext uri="{FF2B5EF4-FFF2-40B4-BE49-F238E27FC236}">
-                <a16:creationId xmlns="" xmlns:a16="http://schemas.microsoft.com/office/drawing/2014/main" id="{80E74BDD-2288-4955-BCED-8609EFDE5904}"/>
+                <a16:creationId xmlns:a16="http://schemas.microsoft.com/office/drawing/2014/main" xmlns="" id="{80E74BDD-2288-4955-BCED-8609EFDE5904}"/>
               </a:ext>
             </a:extLst>
           </p:cNvPr>
@@ -24485,7 +24655,7 @@
           <p:cNvPr id="14" name="TextBox 13">
             <a:extLst>
               <a:ext uri="{FF2B5EF4-FFF2-40B4-BE49-F238E27FC236}">
-                <a16:creationId xmlns="" xmlns:a16="http://schemas.microsoft.com/office/drawing/2014/main" id="{DB276981-8BA0-4418-81B5-ADEBA6662352}"/>
+                <a16:creationId xmlns:a16="http://schemas.microsoft.com/office/drawing/2014/main" xmlns="" id="{DB276981-8BA0-4418-81B5-ADEBA6662352}"/>
               </a:ext>
             </a:extLst>
           </p:cNvPr>
@@ -24774,14 +24944,21 @@
     </p:spTree>
     <p:extLst>
       <p:ext uri="{BB962C8B-B14F-4D97-AF65-F5344CB8AC3E}">
-        <p14:creationId xmlns="" xmlns:p14="http://schemas.microsoft.com/office/powerpoint/2010/main" val="2063948653"/>
+        <p14:creationId xmlns:p14="http://schemas.microsoft.com/office/powerpoint/2010/main" xmlns="" val="2063948653"/>
       </p:ext>
     </p:extLst>
   </p:cSld>
   <p:clrMapOvr>
     <a:masterClrMapping/>
   </p:clrMapOvr>
-  <p:transition advTm="203"/>
+  <p:transition advTm="172"/>
+  <p:timing>
+    <p:tnLst>
+      <p:par>
+        <p:cTn id="1" dur="indefinite" restart="never" nodeType="tmRoot"/>
+      </p:par>
+    </p:tnLst>
+  </p:timing>
 </p:sld>
 </file>
 
@@ -25113,7 +25290,7 @@
           <p:cNvPr id="18" name="슬라이드 번호 개체 틀 17">
             <a:extLst>
               <a:ext uri="{FF2B5EF4-FFF2-40B4-BE49-F238E27FC236}">
-                <a16:creationId xmlns="" xmlns:a16="http://schemas.microsoft.com/office/drawing/2014/main" id="{80E74BDD-2288-4955-BCED-8609EFDE5904}"/>
+                <a16:creationId xmlns:a16="http://schemas.microsoft.com/office/drawing/2014/main" xmlns="" id="{80E74BDD-2288-4955-BCED-8609EFDE5904}"/>
               </a:ext>
             </a:extLst>
           </p:cNvPr>
@@ -25143,7 +25320,7 @@
           <p:cNvPr id="14" name="TextBox 13">
             <a:extLst>
               <a:ext uri="{FF2B5EF4-FFF2-40B4-BE49-F238E27FC236}">
-                <a16:creationId xmlns="" xmlns:a16="http://schemas.microsoft.com/office/drawing/2014/main" id="{DB276981-8BA0-4418-81B5-ADEBA6662352}"/>
+                <a16:creationId xmlns:a16="http://schemas.microsoft.com/office/drawing/2014/main" xmlns="" id="{DB276981-8BA0-4418-81B5-ADEBA6662352}"/>
               </a:ext>
             </a:extLst>
           </p:cNvPr>
@@ -25260,7 +25437,7 @@
           <p:cNvPr id="9" name="그림 8">
             <a:extLst>
               <a:ext uri="{FF2B5EF4-FFF2-40B4-BE49-F238E27FC236}">
-                <a16:creationId xmlns="" xmlns:a16="http://schemas.microsoft.com/office/drawing/2014/main" id="{E1FBAAD1-FDEC-44B4-86ED-9C3AEE0C0A87}"/>
+                <a16:creationId xmlns:a16="http://schemas.microsoft.com/office/drawing/2014/main" xmlns="" id="{E1FBAAD1-FDEC-44B4-86ED-9C3AEE0C0A87}"/>
               </a:ext>
             </a:extLst>
           </p:cNvPr>
@@ -25290,7 +25467,7 @@
           <p:cNvPr id="10" name="그림 9">
             <a:extLst>
               <a:ext uri="{FF2B5EF4-FFF2-40B4-BE49-F238E27FC236}">
-                <a16:creationId xmlns="" xmlns:a16="http://schemas.microsoft.com/office/drawing/2014/main" id="{60DECFC6-5790-44E3-9A98-5F23172A4256}"/>
+                <a16:creationId xmlns:a16="http://schemas.microsoft.com/office/drawing/2014/main" xmlns="" id="{60DECFC6-5790-44E3-9A98-5F23172A4256}"/>
               </a:ext>
             </a:extLst>
           </p:cNvPr>
@@ -25320,7 +25497,7 @@
           <p:cNvPr id="11" name="그림 10">
             <a:extLst>
               <a:ext uri="{FF2B5EF4-FFF2-40B4-BE49-F238E27FC236}">
-                <a16:creationId xmlns="" xmlns:a16="http://schemas.microsoft.com/office/drawing/2014/main" id="{61714BA6-2851-4FF5-B855-EA61D91BEA52}"/>
+                <a16:creationId xmlns:a16="http://schemas.microsoft.com/office/drawing/2014/main" xmlns="" id="{61714BA6-2851-4FF5-B855-EA61D91BEA52}"/>
               </a:ext>
             </a:extLst>
           </p:cNvPr>
@@ -25350,7 +25527,7 @@
           <p:cNvPr id="12" name="그림 11">
             <a:extLst>
               <a:ext uri="{FF2B5EF4-FFF2-40B4-BE49-F238E27FC236}">
-                <a16:creationId xmlns="" xmlns:a16="http://schemas.microsoft.com/office/drawing/2014/main" id="{DA47770C-8E09-424A-8BB1-166F133A18CE}"/>
+                <a16:creationId xmlns:a16="http://schemas.microsoft.com/office/drawing/2014/main" xmlns="" id="{DA47770C-8E09-424A-8BB1-166F133A18CE}"/>
               </a:ext>
             </a:extLst>
           </p:cNvPr>
@@ -25380,7 +25557,7 @@
           <p:cNvPr id="2" name="화살표: 오른쪽 1">
             <a:extLst>
               <a:ext uri="{FF2B5EF4-FFF2-40B4-BE49-F238E27FC236}">
-                <a16:creationId xmlns="" xmlns:a16="http://schemas.microsoft.com/office/drawing/2014/main" id="{546DE864-E97F-4DA1-AC13-C2954B40DD5C}"/>
+                <a16:creationId xmlns:a16="http://schemas.microsoft.com/office/drawing/2014/main" xmlns="" id="{546DE864-E97F-4DA1-AC13-C2954B40DD5C}"/>
               </a:ext>
             </a:extLst>
           </p:cNvPr>
@@ -25426,7 +25603,7 @@
           <p:cNvPr id="15" name="TextBox 14">
             <a:extLst>
               <a:ext uri="{FF2B5EF4-FFF2-40B4-BE49-F238E27FC236}">
-                <a16:creationId xmlns="" xmlns:a16="http://schemas.microsoft.com/office/drawing/2014/main" id="{DBC10128-53EE-4737-AA96-7E8BBB673D9F}"/>
+                <a16:creationId xmlns:a16="http://schemas.microsoft.com/office/drawing/2014/main" xmlns="" id="{DBC10128-53EE-4737-AA96-7E8BBB673D9F}"/>
               </a:ext>
             </a:extLst>
           </p:cNvPr>
@@ -25510,7 +25687,7 @@
     </p:spTree>
     <p:extLst>
       <p:ext uri="{BB962C8B-B14F-4D97-AF65-F5344CB8AC3E}">
-        <p14:creationId xmlns="" xmlns:p14="http://schemas.microsoft.com/office/powerpoint/2010/main" val="1294875791"/>
+        <p14:creationId xmlns:p14="http://schemas.microsoft.com/office/powerpoint/2010/main" xmlns="" val="1294875791"/>
       </p:ext>
     </p:extLst>
   </p:cSld>
@@ -25518,6 +25695,13 @@
     <a:masterClrMapping/>
   </p:clrMapOvr>
   <p:transition advTm="203"/>
+  <p:timing>
+    <p:tnLst>
+      <p:par>
+        <p:cTn id="1" dur="indefinite" restart="never" nodeType="tmRoot"/>
+      </p:par>
+    </p:tnLst>
+  </p:timing>
 </p:sld>
 </file>
 
@@ -25849,7 +26033,7 @@
           <p:cNvPr id="18" name="슬라이드 번호 개체 틀 17">
             <a:extLst>
               <a:ext uri="{FF2B5EF4-FFF2-40B4-BE49-F238E27FC236}">
-                <a16:creationId xmlns="" xmlns:a16="http://schemas.microsoft.com/office/drawing/2014/main" id="{80E74BDD-2288-4955-BCED-8609EFDE5904}"/>
+                <a16:creationId xmlns:a16="http://schemas.microsoft.com/office/drawing/2014/main" xmlns="" id="{80E74BDD-2288-4955-BCED-8609EFDE5904}"/>
               </a:ext>
             </a:extLst>
           </p:cNvPr>
@@ -25879,7 +26063,7 @@
           <p:cNvPr id="14" name="TextBox 13">
             <a:extLst>
               <a:ext uri="{FF2B5EF4-FFF2-40B4-BE49-F238E27FC236}">
-                <a16:creationId xmlns="" xmlns:a16="http://schemas.microsoft.com/office/drawing/2014/main" id="{DB276981-8BA0-4418-81B5-ADEBA6662352}"/>
+                <a16:creationId xmlns:a16="http://schemas.microsoft.com/office/drawing/2014/main" xmlns="" id="{DB276981-8BA0-4418-81B5-ADEBA6662352}"/>
               </a:ext>
             </a:extLst>
           </p:cNvPr>
@@ -25996,7 +26180,7 @@
           <p:cNvPr id="3" name="그룹 2">
             <a:extLst>
               <a:ext uri="{FF2B5EF4-FFF2-40B4-BE49-F238E27FC236}">
-                <a16:creationId xmlns="" xmlns:a16="http://schemas.microsoft.com/office/drawing/2014/main" id="{6E843CCD-4017-42DC-9C19-0436798EA247}"/>
+                <a16:creationId xmlns:a16="http://schemas.microsoft.com/office/drawing/2014/main" xmlns="" id="{6E843CCD-4017-42DC-9C19-0436798EA247}"/>
               </a:ext>
             </a:extLst>
           </p:cNvPr>
@@ -26016,7 +26200,7 @@
             <p:cNvPr id="9" name="그림 8">
               <a:extLst>
                 <a:ext uri="{FF2B5EF4-FFF2-40B4-BE49-F238E27FC236}">
-                  <a16:creationId xmlns="" xmlns:a16="http://schemas.microsoft.com/office/drawing/2014/main" id="{E1FBAAD1-FDEC-44B4-86ED-9C3AEE0C0A87}"/>
+                  <a16:creationId xmlns:a16="http://schemas.microsoft.com/office/drawing/2014/main" xmlns="" id="{E1FBAAD1-FDEC-44B4-86ED-9C3AEE0C0A87}"/>
                 </a:ext>
               </a:extLst>
             </p:cNvPr>
@@ -26046,7 +26230,7 @@
             <p:cNvPr id="10" name="그림 9">
               <a:extLst>
                 <a:ext uri="{FF2B5EF4-FFF2-40B4-BE49-F238E27FC236}">
-                  <a16:creationId xmlns="" xmlns:a16="http://schemas.microsoft.com/office/drawing/2014/main" id="{60DECFC6-5790-44E3-9A98-5F23172A4256}"/>
+                  <a16:creationId xmlns:a16="http://schemas.microsoft.com/office/drawing/2014/main" xmlns="" id="{60DECFC6-5790-44E3-9A98-5F23172A4256}"/>
                 </a:ext>
               </a:extLst>
             </p:cNvPr>
@@ -26076,7 +26260,7 @@
             <p:cNvPr id="15" name="TextBox 14">
               <a:extLst>
                 <a:ext uri="{FF2B5EF4-FFF2-40B4-BE49-F238E27FC236}">
-                  <a16:creationId xmlns="" xmlns:a16="http://schemas.microsoft.com/office/drawing/2014/main" id="{DBC10128-53EE-4737-AA96-7E8BBB673D9F}"/>
+                  <a16:creationId xmlns:a16="http://schemas.microsoft.com/office/drawing/2014/main" xmlns="" id="{DBC10128-53EE-4737-AA96-7E8BBB673D9F}"/>
                 </a:ext>
               </a:extLst>
             </p:cNvPr>
@@ -26163,7 +26347,7 @@
           <p:cNvPr id="16" name="TextBox 15">
             <a:extLst>
               <a:ext uri="{FF2B5EF4-FFF2-40B4-BE49-F238E27FC236}">
-                <a16:creationId xmlns="" xmlns:a16="http://schemas.microsoft.com/office/drawing/2014/main" id="{9D6B3E1C-4182-44E0-A62E-8DEF7F66429E}"/>
+                <a16:creationId xmlns:a16="http://schemas.microsoft.com/office/drawing/2014/main" xmlns="" id="{9D6B3E1C-4182-44E0-A62E-8DEF7F66429E}"/>
               </a:ext>
             </a:extLst>
           </p:cNvPr>
@@ -26420,7 +26604,7 @@
           <p:cNvPr id="5" name="직사각형 4">
             <a:extLst>
               <a:ext uri="{FF2B5EF4-FFF2-40B4-BE49-F238E27FC236}">
-                <a16:creationId xmlns="" xmlns:a16="http://schemas.microsoft.com/office/drawing/2014/main" id="{2A2A0E3E-FF1A-4B76-9AAF-FDCD9BB03B99}"/>
+                <a16:creationId xmlns:a16="http://schemas.microsoft.com/office/drawing/2014/main" xmlns="" id="{2A2A0E3E-FF1A-4B76-9AAF-FDCD9BB03B99}"/>
               </a:ext>
             </a:extLst>
           </p:cNvPr>
@@ -26470,14 +26654,21 @@
     </p:spTree>
     <p:extLst>
       <p:ext uri="{BB962C8B-B14F-4D97-AF65-F5344CB8AC3E}">
-        <p14:creationId xmlns="" xmlns:p14="http://schemas.microsoft.com/office/powerpoint/2010/main" val="2022016791"/>
+        <p14:creationId xmlns:p14="http://schemas.microsoft.com/office/powerpoint/2010/main" xmlns="" val="2022016791"/>
       </p:ext>
     </p:extLst>
   </p:cSld>
   <p:clrMapOvr>
     <a:masterClrMapping/>
   </p:clrMapOvr>
-  <p:transition advTm="203"/>
+  <p:transition advTm="125"/>
+  <p:timing>
+    <p:tnLst>
+      <p:par>
+        <p:cTn id="1" dur="indefinite" restart="never" nodeType="tmRoot"/>
+      </p:par>
+    </p:tnLst>
+  </p:timing>
 </p:sld>
 </file>
 
